--- a/Apresentação_CligestApp.pptx
+++ b/Apresentação_CligestApp.pptx
@@ -6,12 +6,14 @@
   </p:sldMasterIdLst>
   <p:sldIdLst>
     <p:sldId id="256" r:id="rId2"/>
-    <p:sldId id="257" r:id="rId3"/>
-    <p:sldId id="258" r:id="rId4"/>
-    <p:sldId id="259" r:id="rId5"/>
-    <p:sldId id="260" r:id="rId6"/>
-    <p:sldId id="261" r:id="rId7"/>
-    <p:sldId id="262" r:id="rId8"/>
+    <p:sldId id="264" r:id="rId3"/>
+    <p:sldId id="257" r:id="rId4"/>
+    <p:sldId id="258" r:id="rId5"/>
+    <p:sldId id="259" r:id="rId6"/>
+    <p:sldId id="260" r:id="rId7"/>
+    <p:sldId id="261" r:id="rId8"/>
+    <p:sldId id="262" r:id="rId9"/>
+    <p:sldId id="265" r:id="rId10"/>
   </p:sldIdLst>
   <p:sldSz cx="12192000" cy="6858000"/>
   <p:notesSz cx="6858000" cy="9144000"/>
@@ -249,7 +251,7 @@
           <a:p>
             <a:fld id="{62D6E202-B606-4609-B914-27C9371A1F6D}" type="datetime1">
               <a:rPr lang="en-US" smtClean="0"/>
-              <a:t>12/15/19</a:t>
+              <a:t>1/28/20</a:t>
             </a:fld>
             <a:endParaRPr lang="en-US" dirty="0"/>
           </a:p>
@@ -420,7 +422,7 @@
           <a:p>
             <a:fld id="{62D6E202-B606-4609-B914-27C9371A1F6D}" type="datetime1">
               <a:rPr lang="en-US" smtClean="0"/>
-              <a:t>12/15/19</a:t>
+              <a:t>1/28/20</a:t>
             </a:fld>
             <a:endParaRPr lang="en-US" dirty="0"/>
           </a:p>
@@ -601,7 +603,7 @@
           <a:p>
             <a:fld id="{62D6E202-B606-4609-B914-27C9371A1F6D}" type="datetime1">
               <a:rPr lang="en-US" smtClean="0"/>
-              <a:t>12/15/19</a:t>
+              <a:t>1/28/20</a:t>
             </a:fld>
             <a:endParaRPr lang="en-US" dirty="0"/>
           </a:p>
@@ -772,7 +774,7 @@
           <a:p>
             <a:fld id="{62D6E202-B606-4609-B914-27C9371A1F6D}" type="datetime1">
               <a:rPr lang="en-US" smtClean="0"/>
-              <a:t>12/15/19</a:t>
+              <a:t>1/28/20</a:t>
             </a:fld>
             <a:endParaRPr lang="en-US" dirty="0"/>
           </a:p>
@@ -1019,7 +1021,7 @@
           <a:p>
             <a:fld id="{62D6E202-B606-4609-B914-27C9371A1F6D}" type="datetime1">
               <a:rPr lang="en-US" smtClean="0"/>
-              <a:t>12/15/19</a:t>
+              <a:t>1/28/20</a:t>
             </a:fld>
             <a:endParaRPr lang="en-US" dirty="0"/>
           </a:p>
@@ -1252,7 +1254,7 @@
           <a:p>
             <a:fld id="{62D6E202-B606-4609-B914-27C9371A1F6D}" type="datetime1">
               <a:rPr lang="en-US" smtClean="0"/>
-              <a:t>12/15/19</a:t>
+              <a:t>1/28/20</a:t>
             </a:fld>
             <a:endParaRPr lang="en-US" dirty="0"/>
           </a:p>
@@ -1620,7 +1622,7 @@
           <a:p>
             <a:fld id="{62D6E202-B606-4609-B914-27C9371A1F6D}" type="datetime1">
               <a:rPr lang="en-US" smtClean="0"/>
-              <a:t>12/15/19</a:t>
+              <a:t>1/28/20</a:t>
             </a:fld>
             <a:endParaRPr lang="en-US" dirty="0"/>
           </a:p>
@@ -1739,7 +1741,7 @@
           <a:p>
             <a:fld id="{62D6E202-B606-4609-B914-27C9371A1F6D}" type="datetime1">
               <a:rPr lang="en-US" smtClean="0"/>
-              <a:t>12/15/19</a:t>
+              <a:t>1/28/20</a:t>
             </a:fld>
             <a:endParaRPr lang="en-US" dirty="0"/>
           </a:p>
@@ -1835,7 +1837,7 @@
           <a:p>
             <a:fld id="{62D6E202-B606-4609-B914-27C9371A1F6D}" type="datetime1">
               <a:rPr lang="en-US" smtClean="0"/>
-              <a:t>12/15/19</a:t>
+              <a:t>1/28/20</a:t>
             </a:fld>
             <a:endParaRPr lang="en-US" dirty="0"/>
           </a:p>
@@ -2113,7 +2115,7 @@
           <a:p>
             <a:fld id="{62D6E202-B606-4609-B914-27C9371A1F6D}" type="datetime1">
               <a:rPr lang="en-US" smtClean="0"/>
-              <a:t>12/15/19</a:t>
+              <a:t>1/28/20</a:t>
             </a:fld>
             <a:endParaRPr lang="en-US" dirty="0"/>
           </a:p>
@@ -2371,7 +2373,7 @@
           <a:p>
             <a:fld id="{62D6E202-B606-4609-B914-27C9371A1F6D}" type="datetime1">
               <a:rPr lang="en-US" smtClean="0"/>
-              <a:t>12/15/19</a:t>
+              <a:t>1/28/20</a:t>
             </a:fld>
             <a:endParaRPr lang="en-US" dirty="0"/>
           </a:p>
@@ -2585,7 +2587,7 @@
           <a:p>
             <a:fld id="{62D6E202-B606-4609-B914-27C9371A1F6D}" type="datetime1">
               <a:rPr lang="en-US" smtClean="0"/>
-              <a:t>12/15/19</a:t>
+              <a:t>1/28/20</a:t>
             </a:fld>
             <a:endParaRPr lang="en-US" dirty="0"/>
           </a:p>
@@ -2999,6 +3001,638 @@
           <a:chExt cx="0" cy="0"/>
         </a:xfrm>
       </p:grpSpPr>
+      <p:sp>
+        <p:nvSpPr>
+          <p:cNvPr id="16" name="Rectangle 15">
+            <a:extLst>
+              <a:ext uri="{FF2B5EF4-FFF2-40B4-BE49-F238E27FC236}">
+                <a16:creationId xmlns:a16="http://schemas.microsoft.com/office/drawing/2014/main" id="{C9F26692-F12A-4F9E-9C6D-FABE9A277FD3}"/>
+              </a:ext>
+              <a:ext uri="{C183D7F6-B498-43B3-948B-1728B52AA6E4}">
+                <adec:decorative xmlns:adec="http://schemas.microsoft.com/office/drawing/2017/decorative" val="1"/>
+              </a:ext>
+            </a:extLst>
+          </p:cNvPr>
+          <p:cNvSpPr>
+            <a:spLocks noGrp="1" noRot="1" noChangeAspect="1" noMove="1" noResize="1" noEditPoints="1" noAdjustHandles="1" noChangeArrowheads="1" noChangeShapeType="1" noTextEdit="1"/>
+          </p:cNvSpPr>
+          <p:nvPr>
+            <p:extLst>
+              <p:ext uri="{386F3935-93C4-4BCD-93E2-E3B085C9AB24}">
+                <p16:designElem xmlns:p16="http://schemas.microsoft.com/office/powerpoint/2015/main" val="1"/>
+              </p:ext>
+            </p:extLst>
+          </p:nvPr>
+        </p:nvSpPr>
+        <p:spPr>
+          <a:xfrm>
+            <a:off x="5708905" y="3726"/>
+            <a:ext cx="6483095" cy="6858000"/>
+          </a:xfrm>
+          <a:prstGeom prst="rect">
+            <a:avLst/>
+          </a:prstGeom>
+          <a:gradFill>
+            <a:gsLst>
+              <a:gs pos="0">
+                <a:schemeClr val="accent1">
+                  <a:lumMod val="100000"/>
+                  <a:alpha val="82000"/>
+                </a:schemeClr>
+              </a:gs>
+              <a:gs pos="25000">
+                <a:schemeClr val="accent1">
+                  <a:alpha val="60000"/>
+                </a:schemeClr>
+              </a:gs>
+              <a:gs pos="94000">
+                <a:schemeClr val="bg2">
+                  <a:lumMod val="75000"/>
+                </a:schemeClr>
+              </a:gs>
+              <a:gs pos="100000">
+                <a:schemeClr val="bg2">
+                  <a:lumMod val="75000"/>
+                </a:schemeClr>
+              </a:gs>
+            </a:gsLst>
+            <a:lin ang="4200000" scaled="0"/>
+          </a:gradFill>
+          <a:ln>
+            <a:noFill/>
+          </a:ln>
+        </p:spPr>
+        <p:style>
+          <a:lnRef idx="2">
+            <a:schemeClr val="accent1">
+              <a:shade val="50000"/>
+            </a:schemeClr>
+          </a:lnRef>
+          <a:fillRef idx="1">
+            <a:schemeClr val="accent1"/>
+          </a:fillRef>
+          <a:effectRef idx="0">
+            <a:schemeClr val="accent1"/>
+          </a:effectRef>
+          <a:fontRef idx="minor">
+            <a:schemeClr val="lt1"/>
+          </a:fontRef>
+        </p:style>
+        <p:txBody>
+          <a:bodyPr rtlCol="0" anchor="ctr"/>
+          <a:lstStyle/>
+          <a:p>
+            <a:pPr algn="ctr"/>
+            <a:endParaRPr lang="en-US"/>
+          </a:p>
+        </p:txBody>
+      </p:sp>
+      <p:pic>
+        <p:nvPicPr>
+          <p:cNvPr id="18" name="Picture 17">
+            <a:extLst>
+              <a:ext uri="{FF2B5EF4-FFF2-40B4-BE49-F238E27FC236}">
+                <a16:creationId xmlns:a16="http://schemas.microsoft.com/office/drawing/2014/main" id="{19BDF44E-531A-4177-A2D6-2D2310D05830}"/>
+              </a:ext>
+              <a:ext uri="{C183D7F6-B498-43B3-948B-1728B52AA6E4}">
+                <adec:decorative xmlns:adec="http://schemas.microsoft.com/office/drawing/2017/decorative" val="1"/>
+              </a:ext>
+            </a:extLst>
+          </p:cNvPr>
+          <p:cNvPicPr>
+            <a:picLocks noGrp="1" noRot="1" noChangeAspect="1" noMove="1" noResize="1" noEditPoints="1" noAdjustHandles="1" noChangeArrowheads="1" noChangeShapeType="1" noCrop="1"/>
+          </p:cNvPicPr>
+          <p:nvPr>
+            <p:extLst>
+              <p:ext uri="{386F3935-93C4-4BCD-93E2-E3B085C9AB24}">
+                <p16:designElem xmlns:p16="http://schemas.microsoft.com/office/powerpoint/2015/main" val="1"/>
+              </p:ext>
+            </p:extLst>
+          </p:nvPr>
+        </p:nvPicPr>
+        <p:blipFill>
+          <a:blip r:embed="rId2">
+            <a:extLst>
+              <a:ext uri="{28A0092B-C50C-407E-A947-70E740481C1C}">
+                <a14:useLocalDpi xmlns:a14="http://schemas.microsoft.com/office/drawing/2010/main" val="0"/>
+              </a:ext>
+            </a:extLst>
+          </a:blip>
+          <a:stretch>
+            <a:fillRect/>
+          </a:stretch>
+        </p:blipFill>
+        <p:spPr>
+          <a:xfrm flipH="1">
+            <a:off x="0" y="0"/>
+            <a:ext cx="12192000" cy="6858000"/>
+          </a:xfrm>
+          <a:prstGeom prst="rect">
+            <a:avLst/>
+          </a:prstGeom>
+        </p:spPr>
+      </p:pic>
+      <p:sp>
+        <p:nvSpPr>
+          <p:cNvPr id="3" name="Subtítulo 2">
+            <a:extLst>
+              <a:ext uri="{FF2B5EF4-FFF2-40B4-BE49-F238E27FC236}">
+                <a16:creationId xmlns:a16="http://schemas.microsoft.com/office/drawing/2014/main" id="{6AB64E9A-1FC8-EA41-922F-742E73738860}"/>
+              </a:ext>
+            </a:extLst>
+          </p:cNvPr>
+          <p:cNvSpPr>
+            <a:spLocks noGrp="1"/>
+          </p:cNvSpPr>
+          <p:nvPr>
+            <p:ph type="subTitle" idx="1"/>
+          </p:nvPr>
+        </p:nvSpPr>
+        <p:spPr>
+          <a:xfrm>
+            <a:off x="815806" y="4331008"/>
+            <a:ext cx="5946202" cy="1351822"/>
+          </a:xfrm>
+        </p:spPr>
+        <p:txBody>
+          <a:bodyPr anchor="b">
+            <a:normAutofit fontScale="47500" lnSpcReduction="20000"/>
+          </a:bodyPr>
+          <a:lstStyle/>
+          <a:p>
+            <a:pPr algn="l"/>
+            <a:endParaRPr lang="pt-PT" sz="1800" dirty="0">
+              <a:solidFill>
+                <a:srgbClr val="000000"/>
+              </a:solidFill>
+            </a:endParaRPr>
+          </a:p>
+          <a:p>
+            <a:pPr algn="l"/>
+            <a:r>
+              <a:rPr lang="pt-PT" sz="4500" dirty="0">
+                <a:solidFill>
+                  <a:srgbClr val="000000"/>
+                </a:solidFill>
+              </a:rPr>
+              <a:t>Engenharia Informática</a:t>
+            </a:r>
+          </a:p>
+          <a:p>
+            <a:pPr algn="l"/>
+            <a:r>
+              <a:rPr lang="pt-PT" sz="4500" dirty="0">
+                <a:solidFill>
+                  <a:srgbClr val="000000"/>
+                </a:solidFill>
+              </a:rPr>
+              <a:t>Nome: Nancia Laudino</a:t>
+            </a:r>
+          </a:p>
+          <a:p>
+            <a:pPr algn="l"/>
+            <a:r>
+              <a:rPr lang="pt-PT" sz="4500" dirty="0">
+                <a:solidFill>
+                  <a:srgbClr val="000000"/>
+                </a:solidFill>
+              </a:rPr>
+              <a:t>Número:  50036506</a:t>
+            </a:r>
+          </a:p>
+          <a:p>
+            <a:pPr algn="l"/>
+            <a:endParaRPr lang="pt-PT" sz="1800" dirty="0">
+              <a:solidFill>
+                <a:srgbClr val="000000"/>
+              </a:solidFill>
+            </a:endParaRPr>
+          </a:p>
+        </p:txBody>
+      </p:sp>
+      <p:sp>
+        <p:nvSpPr>
+          <p:cNvPr id="2" name="Título 1">
+            <a:extLst>
+              <a:ext uri="{FF2B5EF4-FFF2-40B4-BE49-F238E27FC236}">
+                <a16:creationId xmlns:a16="http://schemas.microsoft.com/office/drawing/2014/main" id="{F5EF8EAB-C91D-D849-9D04-4469BB70AA21}"/>
+              </a:ext>
+            </a:extLst>
+          </p:cNvPr>
+          <p:cNvSpPr>
+            <a:spLocks noGrp="1"/>
+          </p:cNvSpPr>
+          <p:nvPr>
+            <p:ph type="ctrTitle"/>
+          </p:nvPr>
+        </p:nvSpPr>
+        <p:spPr>
+          <a:xfrm>
+            <a:off x="816600" y="3041946"/>
+            <a:ext cx="5946579" cy="1514185"/>
+          </a:xfrm>
+          <a:noFill/>
+        </p:spPr>
+        <p:txBody>
+          <a:bodyPr anchor="t">
+            <a:normAutofit/>
+          </a:bodyPr>
+          <a:lstStyle/>
+          <a:p>
+            <a:pPr algn="l"/>
+            <a:r>
+              <a:rPr lang="pt-PT" b="1" dirty="0" err="1">
+                <a:solidFill>
+                  <a:srgbClr val="000000"/>
+                </a:solidFill>
+                <a:latin typeface="Arial" panose="020B0604020202020204" pitchFamily="34" charset="0"/>
+                <a:cs typeface="Arial" panose="020B0604020202020204" pitchFamily="34" charset="0"/>
+              </a:rPr>
+              <a:t>CliGestApp</a:t>
+            </a:r>
+            <a:endParaRPr lang="pt-PT" b="1" dirty="0">
+              <a:solidFill>
+                <a:srgbClr val="000000"/>
+              </a:solidFill>
+              <a:latin typeface="Arial" panose="020B0604020202020204" pitchFamily="34" charset="0"/>
+              <a:cs typeface="Arial" panose="020B0604020202020204" pitchFamily="34" charset="0"/>
+            </a:endParaRPr>
+          </a:p>
+        </p:txBody>
+      </p:sp>
+      <p:sp>
+        <p:nvSpPr>
+          <p:cNvPr id="20" name="Freeform: Shape 19">
+            <a:extLst>
+              <a:ext uri="{FF2B5EF4-FFF2-40B4-BE49-F238E27FC236}">
+                <a16:creationId xmlns:a16="http://schemas.microsoft.com/office/drawing/2014/main" id="{6BFB173A-5EF2-43F4-B3BB-6EA1975FAB85}"/>
+              </a:ext>
+              <a:ext uri="{C183D7F6-B498-43B3-948B-1728B52AA6E4}">
+                <adec:decorative xmlns:adec="http://schemas.microsoft.com/office/drawing/2017/decorative" val="1"/>
+              </a:ext>
+            </a:extLst>
+          </p:cNvPr>
+          <p:cNvSpPr>
+            <a:spLocks noGrp="1" noRot="1" noChangeAspect="1" noMove="1" noResize="1" noEditPoints="1" noAdjustHandles="1" noChangeArrowheads="1" noChangeShapeType="1" noTextEdit="1"/>
+          </p:cNvSpPr>
+          <p:nvPr>
+            <p:extLst>
+              <p:ext uri="{386F3935-93C4-4BCD-93E2-E3B085C9AB24}">
+                <p16:designElem xmlns:p16="http://schemas.microsoft.com/office/powerpoint/2015/main" val="1"/>
+              </p:ext>
+            </p:extLst>
+          </p:nvPr>
+        </p:nvSpPr>
+        <p:spPr>
+          <a:xfrm>
+            <a:off x="6533377" y="0"/>
+            <a:ext cx="3801784" cy="2254263"/>
+          </a:xfrm>
+          <a:custGeom>
+            <a:avLst/>
+            <a:gdLst>
+              <a:gd name="connsiteX0" fmla="*/ 34084 w 3801784"/>
+              <a:gd name="connsiteY0" fmla="*/ 0 h 2254263"/>
+              <a:gd name="connsiteX1" fmla="*/ 3767702 w 3801784"/>
+              <a:gd name="connsiteY1" fmla="*/ 0 h 2254263"/>
+              <a:gd name="connsiteX2" fmla="*/ 3791970 w 3801784"/>
+              <a:gd name="connsiteY2" fmla="*/ 159016 h 2254263"/>
+              <a:gd name="connsiteX3" fmla="*/ 3801784 w 3801784"/>
+              <a:gd name="connsiteY3" fmla="*/ 353371 h 2254263"/>
+              <a:gd name="connsiteX4" fmla="*/ 1900892 w 3801784"/>
+              <a:gd name="connsiteY4" fmla="*/ 2254263 h 2254263"/>
+              <a:gd name="connsiteX5" fmla="*/ 0 w 3801784"/>
+              <a:gd name="connsiteY5" fmla="*/ 353371 h 2254263"/>
+              <a:gd name="connsiteX6" fmla="*/ 9815 w 3801784"/>
+              <a:gd name="connsiteY6" fmla="*/ 159016 h 2254263"/>
+            </a:gdLst>
+            <a:ahLst/>
+            <a:cxnLst>
+              <a:cxn ang="0">
+                <a:pos x="connsiteX0" y="connsiteY0"/>
+              </a:cxn>
+              <a:cxn ang="0">
+                <a:pos x="connsiteX1" y="connsiteY1"/>
+              </a:cxn>
+              <a:cxn ang="0">
+                <a:pos x="connsiteX2" y="connsiteY2"/>
+              </a:cxn>
+              <a:cxn ang="0">
+                <a:pos x="connsiteX3" y="connsiteY3"/>
+              </a:cxn>
+              <a:cxn ang="0">
+                <a:pos x="connsiteX4" y="connsiteY4"/>
+              </a:cxn>
+              <a:cxn ang="0">
+                <a:pos x="connsiteX5" y="connsiteY5"/>
+              </a:cxn>
+              <a:cxn ang="0">
+                <a:pos x="connsiteX6" y="connsiteY6"/>
+              </a:cxn>
+            </a:cxnLst>
+            <a:rect l="l" t="t" r="r" b="b"/>
+            <a:pathLst>
+              <a:path w="3801784" h="2254263">
+                <a:moveTo>
+                  <a:pt x="34084" y="0"/>
+                </a:moveTo>
+                <a:lnTo>
+                  <a:pt x="3767702" y="0"/>
+                </a:lnTo>
+                <a:lnTo>
+                  <a:pt x="3791970" y="159016"/>
+                </a:lnTo>
+                <a:cubicBezTo>
+                  <a:pt x="3798459" y="222918"/>
+                  <a:pt x="3801784" y="287757"/>
+                  <a:pt x="3801784" y="353371"/>
+                </a:cubicBezTo>
+                <a:cubicBezTo>
+                  <a:pt x="3801784" y="1403205"/>
+                  <a:pt x="2950726" y="2254263"/>
+                  <a:pt x="1900892" y="2254263"/>
+                </a:cubicBezTo>
+                <a:cubicBezTo>
+                  <a:pt x="851058" y="2254263"/>
+                  <a:pt x="0" y="1403205"/>
+                  <a:pt x="0" y="353371"/>
+                </a:cubicBezTo>
+                <a:cubicBezTo>
+                  <a:pt x="0" y="287757"/>
+                  <a:pt x="3325" y="222918"/>
+                  <a:pt x="9815" y="159016"/>
+                </a:cubicBezTo>
+                <a:close/>
+              </a:path>
+            </a:pathLst>
+          </a:custGeom>
+          <a:solidFill>
+            <a:srgbClr val="FFFFFF"/>
+          </a:solidFill>
+          <a:ln>
+            <a:gradFill>
+              <a:gsLst>
+                <a:gs pos="0">
+                  <a:schemeClr val="accent1">
+                    <a:lumMod val="40000"/>
+                    <a:lumOff val="60000"/>
+                  </a:schemeClr>
+                </a:gs>
+                <a:gs pos="23000">
+                  <a:schemeClr val="accent1">
+                    <a:lumMod val="45000"/>
+                    <a:lumOff val="55000"/>
+                  </a:schemeClr>
+                </a:gs>
+                <a:gs pos="83000">
+                  <a:schemeClr val="bg2">
+                    <a:lumMod val="75000"/>
+                  </a:schemeClr>
+                </a:gs>
+                <a:gs pos="100000">
+                  <a:schemeClr val="bg2">
+                    <a:lumMod val="75000"/>
+                  </a:schemeClr>
+                </a:gs>
+              </a:gsLst>
+              <a:lin ang="5400000" scaled="1"/>
+            </a:gradFill>
+          </a:ln>
+        </p:spPr>
+        <p:style>
+          <a:lnRef idx="2">
+            <a:schemeClr val="accent1">
+              <a:shade val="50000"/>
+            </a:schemeClr>
+          </a:lnRef>
+          <a:fillRef idx="1">
+            <a:schemeClr val="accent1"/>
+          </a:fillRef>
+          <a:effectRef idx="0">
+            <a:schemeClr val="accent1"/>
+          </a:effectRef>
+          <a:fontRef idx="minor">
+            <a:schemeClr val="lt1"/>
+          </a:fontRef>
+        </p:style>
+        <p:txBody>
+          <a:bodyPr wrap="square" rtlCol="0" anchor="ctr">
+            <a:noAutofit/>
+          </a:bodyPr>
+          <a:lstStyle/>
+          <a:p>
+            <a:pPr algn="ctr"/>
+            <a:endParaRPr lang="en-US"/>
+          </a:p>
+        </p:txBody>
+      </p:sp>
+      <p:pic>
+        <p:nvPicPr>
+          <p:cNvPr id="7" name="Picture 4">
+            <a:extLst>
+              <a:ext uri="{FF2B5EF4-FFF2-40B4-BE49-F238E27FC236}">
+                <a16:creationId xmlns:a16="http://schemas.microsoft.com/office/drawing/2014/main" id="{F4A8F2AB-BC22-5443-B57B-4EA774E2AD19}"/>
+              </a:ext>
+            </a:extLst>
+          </p:cNvPr>
+          <p:cNvPicPr/>
+          <p:nvPr/>
+        </p:nvPicPr>
+        <p:blipFill>
+          <a:blip r:embed="rId3" r:link="rId4">
+            <a:extLst>
+              <a:ext uri="{28A0092B-C50C-407E-A947-70E740481C1C}">
+                <a14:useLocalDpi xmlns:a14="http://schemas.microsoft.com/office/drawing/2010/main" val="0"/>
+              </a:ext>
+            </a:extLst>
+          </a:blip>
+          <a:stretch>
+            <a:fillRect/>
+          </a:stretch>
+        </p:blipFill>
+        <p:spPr bwMode="auto">
+          <a:xfrm>
+            <a:off x="815806" y="397348"/>
+            <a:ext cx="3036260" cy="777822"/>
+          </a:xfrm>
+          <a:prstGeom prst="rect">
+            <a:avLst/>
+          </a:prstGeom>
+          <a:noFill/>
+        </p:spPr>
+      </p:pic>
+      <p:sp>
+        <p:nvSpPr>
+          <p:cNvPr id="22" name="Freeform 67">
+            <a:extLst>
+              <a:ext uri="{FF2B5EF4-FFF2-40B4-BE49-F238E27FC236}">
+                <a16:creationId xmlns:a16="http://schemas.microsoft.com/office/drawing/2014/main" id="{726FC37F-1DE8-4A19-A1DE-0A2176ED8DD0}"/>
+              </a:ext>
+              <a:ext uri="{C183D7F6-B498-43B3-948B-1728B52AA6E4}">
+                <adec:decorative xmlns:adec="http://schemas.microsoft.com/office/drawing/2017/decorative" val="1"/>
+              </a:ext>
+            </a:extLst>
+          </p:cNvPr>
+          <p:cNvSpPr>
+            <a:spLocks noGrp="1" noRot="1" noChangeAspect="1" noMove="1" noResize="1" noEditPoints="1" noAdjustHandles="1" noChangeArrowheads="1" noChangeShapeType="1" noTextEdit="1"/>
+          </p:cNvSpPr>
+          <p:nvPr>
+            <p:extLst>
+              <p:ext uri="{386F3935-93C4-4BCD-93E2-E3B085C9AB24}">
+                <p16:designElem xmlns:p16="http://schemas.microsoft.com/office/powerpoint/2015/main" val="1"/>
+              </p:ext>
+            </p:extLst>
+          </p:nvPr>
+        </p:nvSpPr>
+        <p:spPr>
+          <a:xfrm>
+            <a:off x="7486728" y="3030547"/>
+            <a:ext cx="4705272" cy="3827453"/>
+          </a:xfrm>
+          <a:custGeom>
+            <a:avLst/>
+            <a:gdLst>
+              <a:gd name="connsiteX0" fmla="*/ 2718646 w 4647408"/>
+              <a:gd name="connsiteY0" fmla="*/ 0 h 3780384"/>
+              <a:gd name="connsiteX1" fmla="*/ 4641019 w 4647408"/>
+              <a:gd name="connsiteY1" fmla="*/ 796273 h 3780384"/>
+              <a:gd name="connsiteX2" fmla="*/ 4647408 w 4647408"/>
+              <a:gd name="connsiteY2" fmla="*/ 803303 h 3780384"/>
+              <a:gd name="connsiteX3" fmla="*/ 4647408 w 4647408"/>
+              <a:gd name="connsiteY3" fmla="*/ 3780384 h 3780384"/>
+              <a:gd name="connsiteX4" fmla="*/ 215340 w 4647408"/>
+              <a:gd name="connsiteY4" fmla="*/ 3780384 h 3780384"/>
+              <a:gd name="connsiteX5" fmla="*/ 213645 w 4647408"/>
+              <a:gd name="connsiteY5" fmla="*/ 3776866 h 3780384"/>
+              <a:gd name="connsiteX6" fmla="*/ 0 w 4647408"/>
+              <a:gd name="connsiteY6" fmla="*/ 2718646 h 3780384"/>
+              <a:gd name="connsiteX7" fmla="*/ 2718646 w 4647408"/>
+              <a:gd name="connsiteY7" fmla="*/ 0 h 3780384"/>
+            </a:gdLst>
+            <a:ahLst/>
+            <a:cxnLst>
+              <a:cxn ang="0">
+                <a:pos x="connsiteX0" y="connsiteY0"/>
+              </a:cxn>
+              <a:cxn ang="0">
+                <a:pos x="connsiteX1" y="connsiteY1"/>
+              </a:cxn>
+              <a:cxn ang="0">
+                <a:pos x="connsiteX2" y="connsiteY2"/>
+              </a:cxn>
+              <a:cxn ang="0">
+                <a:pos x="connsiteX3" y="connsiteY3"/>
+              </a:cxn>
+              <a:cxn ang="0">
+                <a:pos x="connsiteX4" y="connsiteY4"/>
+              </a:cxn>
+              <a:cxn ang="0">
+                <a:pos x="connsiteX5" y="connsiteY5"/>
+              </a:cxn>
+              <a:cxn ang="0">
+                <a:pos x="connsiteX6" y="connsiteY6"/>
+              </a:cxn>
+              <a:cxn ang="0">
+                <a:pos x="connsiteX7" y="connsiteY7"/>
+              </a:cxn>
+            </a:cxnLst>
+            <a:rect l="l" t="t" r="r" b="b"/>
+            <a:pathLst>
+              <a:path w="4647408" h="3780384">
+                <a:moveTo>
+                  <a:pt x="2718646" y="0"/>
+                </a:moveTo>
+                <a:cubicBezTo>
+                  <a:pt x="3469379" y="0"/>
+                  <a:pt x="4149041" y="304295"/>
+                  <a:pt x="4641019" y="796273"/>
+                </a:cubicBezTo>
+                <a:lnTo>
+                  <a:pt x="4647408" y="803303"/>
+                </a:lnTo>
+                <a:lnTo>
+                  <a:pt x="4647408" y="3780384"/>
+                </a:lnTo>
+                <a:lnTo>
+                  <a:pt x="215340" y="3780384"/>
+                </a:lnTo>
+                <a:lnTo>
+                  <a:pt x="213645" y="3776866"/>
+                </a:lnTo>
+                <a:cubicBezTo>
+                  <a:pt x="76074" y="3451612"/>
+                  <a:pt x="0" y="3094013"/>
+                  <a:pt x="0" y="2718646"/>
+                </a:cubicBezTo>
+                <a:cubicBezTo>
+                  <a:pt x="0" y="1217179"/>
+                  <a:pt x="1217179" y="0"/>
+                  <a:pt x="2718646" y="0"/>
+                </a:cubicBezTo>
+                <a:close/>
+              </a:path>
+            </a:pathLst>
+          </a:custGeom>
+          <a:solidFill>
+            <a:srgbClr val="FFFFFF"/>
+          </a:solidFill>
+          <a:ln>
+            <a:gradFill>
+              <a:gsLst>
+                <a:gs pos="0">
+                  <a:schemeClr val="accent1">
+                    <a:lumMod val="40000"/>
+                    <a:lumOff val="60000"/>
+                  </a:schemeClr>
+                </a:gs>
+                <a:gs pos="23000">
+                  <a:schemeClr val="accent1">
+                    <a:lumMod val="45000"/>
+                    <a:lumOff val="55000"/>
+                  </a:schemeClr>
+                </a:gs>
+                <a:gs pos="83000">
+                  <a:schemeClr val="bg2">
+                    <a:lumMod val="75000"/>
+                  </a:schemeClr>
+                </a:gs>
+                <a:gs pos="100000">
+                  <a:schemeClr val="bg2">
+                    <a:lumMod val="75000"/>
+                  </a:schemeClr>
+                </a:gs>
+              </a:gsLst>
+              <a:lin ang="5400000" scaled="1"/>
+            </a:gradFill>
+          </a:ln>
+        </p:spPr>
+        <p:style>
+          <a:lnRef idx="2">
+            <a:schemeClr val="accent1">
+              <a:shade val="50000"/>
+            </a:schemeClr>
+          </a:lnRef>
+          <a:fillRef idx="1">
+            <a:schemeClr val="accent1"/>
+          </a:fillRef>
+          <a:effectRef idx="0">
+            <a:schemeClr val="accent1"/>
+          </a:effectRef>
+          <a:fontRef idx="minor">
+            <a:schemeClr val="lt1"/>
+          </a:fontRef>
+        </p:style>
+        <p:txBody>
+          <a:bodyPr wrap="square" rtlCol="0" anchor="ctr">
+            <a:noAutofit/>
+          </a:bodyPr>
+          <a:lstStyle/>
+          <a:p>
+            <a:pPr algn="ctr"/>
+            <a:endParaRPr lang="en-US"/>
+          </a:p>
+        </p:txBody>
+      </p:sp>
       <p:pic>
         <p:nvPicPr>
           <p:cNvPr id="6" name="Imagem 5" descr="Uma imagem com pessoa, pose, interior, fotografia&#10;&#10;Descrição gerada automaticamente">
@@ -3014,360 +3648,20 @@
           <p:nvPr/>
         </p:nvPicPr>
         <p:blipFill rotWithShape="1">
-          <a:blip r:embed="rId2"/>
+          <a:blip r:embed="rId5"/>
           <a:srcRect b="13128"/>
           <a:stretch/>
         </p:blipFill>
         <p:spPr>
           <a:xfrm>
-            <a:off x="-31845" y="0"/>
-            <a:ext cx="12191980" cy="6857989"/>
+            <a:off x="7997780" y="4331008"/>
+            <a:ext cx="4194220" cy="2503351"/>
           </a:xfrm>
           <a:prstGeom prst="rect">
             <a:avLst/>
           </a:prstGeom>
         </p:spPr>
       </p:pic>
-      <p:sp>
-        <p:nvSpPr>
-          <p:cNvPr id="11" name="Freeform 6">
-            <a:extLst>
-              <a:ext uri="{FF2B5EF4-FFF2-40B4-BE49-F238E27FC236}">
-                <a16:creationId xmlns:a16="http://schemas.microsoft.com/office/drawing/2014/main" id="{B6E71514-6080-46DE-A03E-E6BCFB1D9E9A}"/>
-              </a:ext>
-              <a:ext uri="{C183D7F6-B498-43B3-948B-1728B52AA6E4}">
-                <adec:decorative xmlns:adec="http://schemas.microsoft.com/office/drawing/2017/decorative" val="1"/>
-              </a:ext>
-            </a:extLst>
-          </p:cNvPr>
-          <p:cNvSpPr>
-            <a:spLocks noGrp="1" noRot="1" noChangeAspect="1" noMove="1" noResize="1" noEditPoints="1" noAdjustHandles="1" noChangeArrowheads="1" noChangeShapeType="1" noTextEdit="1"/>
-          </p:cNvSpPr>
-          <p:nvPr>
-            <p:extLst>
-              <p:ext uri="{386F3935-93C4-4BCD-93E2-E3B085C9AB24}">
-                <p16:designElem xmlns:p16="http://schemas.microsoft.com/office/powerpoint/2015/main" val="1"/>
-              </p:ext>
-            </p:extLst>
-          </p:nvPr>
-        </p:nvSpPr>
-        <p:spPr bwMode="auto">
-          <a:xfrm>
-            <a:off x="802481" y="3900290"/>
-            <a:ext cx="6732173" cy="2319536"/>
-          </a:xfrm>
-          <a:custGeom>
-            <a:avLst/>
-            <a:gdLst/>
-            <a:ahLst/>
-            <a:cxnLst/>
-            <a:rect l="0" t="0" r="r" b="b"/>
-            <a:pathLst>
-              <a:path w="3384" h="2308">
-                <a:moveTo>
-                  <a:pt x="3340" y="0"/>
-                </a:moveTo>
-                <a:lnTo>
-                  <a:pt x="44" y="0"/>
-                </a:lnTo>
-                <a:lnTo>
-                  <a:pt x="44" y="0"/>
-                </a:lnTo>
-                <a:lnTo>
-                  <a:pt x="34" y="0"/>
-                </a:lnTo>
-                <a:lnTo>
-                  <a:pt x="26" y="4"/>
-                </a:lnTo>
-                <a:lnTo>
-                  <a:pt x="20" y="8"/>
-                </a:lnTo>
-                <a:lnTo>
-                  <a:pt x="12" y="12"/>
-                </a:lnTo>
-                <a:lnTo>
-                  <a:pt x="8" y="20"/>
-                </a:lnTo>
-                <a:lnTo>
-                  <a:pt x="4" y="26"/>
-                </a:lnTo>
-                <a:lnTo>
-                  <a:pt x="0" y="34"/>
-                </a:lnTo>
-                <a:lnTo>
-                  <a:pt x="0" y="44"/>
-                </a:lnTo>
-                <a:lnTo>
-                  <a:pt x="0" y="2076"/>
-                </a:lnTo>
-                <a:lnTo>
-                  <a:pt x="0" y="2076"/>
-                </a:lnTo>
-                <a:lnTo>
-                  <a:pt x="0" y="2086"/>
-                </a:lnTo>
-                <a:lnTo>
-                  <a:pt x="4" y="2094"/>
-                </a:lnTo>
-                <a:lnTo>
-                  <a:pt x="8" y="2100"/>
-                </a:lnTo>
-                <a:lnTo>
-                  <a:pt x="12" y="2108"/>
-                </a:lnTo>
-                <a:lnTo>
-                  <a:pt x="20" y="2112"/>
-                </a:lnTo>
-                <a:lnTo>
-                  <a:pt x="26" y="2116"/>
-                </a:lnTo>
-                <a:lnTo>
-                  <a:pt x="34" y="2120"/>
-                </a:lnTo>
-                <a:lnTo>
-                  <a:pt x="44" y="2120"/>
-                </a:lnTo>
-                <a:lnTo>
-                  <a:pt x="474" y="2120"/>
-                </a:lnTo>
-                <a:lnTo>
-                  <a:pt x="650" y="2296"/>
-                </a:lnTo>
-                <a:lnTo>
-                  <a:pt x="650" y="2296"/>
-                </a:lnTo>
-                <a:lnTo>
-                  <a:pt x="656" y="2300"/>
-                </a:lnTo>
-                <a:lnTo>
-                  <a:pt x="664" y="2304"/>
-                </a:lnTo>
-                <a:lnTo>
-                  <a:pt x="672" y="2308"/>
-                </a:lnTo>
-                <a:lnTo>
-                  <a:pt x="680" y="2308"/>
-                </a:lnTo>
-                <a:lnTo>
-                  <a:pt x="688" y="2308"/>
-                </a:lnTo>
-                <a:lnTo>
-                  <a:pt x="696" y="2304"/>
-                </a:lnTo>
-                <a:lnTo>
-                  <a:pt x="704" y="2300"/>
-                </a:lnTo>
-                <a:lnTo>
-                  <a:pt x="710" y="2296"/>
-                </a:lnTo>
-                <a:lnTo>
-                  <a:pt x="886" y="2120"/>
-                </a:lnTo>
-                <a:lnTo>
-                  <a:pt x="3340" y="2120"/>
-                </a:lnTo>
-                <a:lnTo>
-                  <a:pt x="3340" y="2120"/>
-                </a:lnTo>
-                <a:lnTo>
-                  <a:pt x="3350" y="2120"/>
-                </a:lnTo>
-                <a:lnTo>
-                  <a:pt x="3358" y="2116"/>
-                </a:lnTo>
-                <a:lnTo>
-                  <a:pt x="3364" y="2112"/>
-                </a:lnTo>
-                <a:lnTo>
-                  <a:pt x="3372" y="2108"/>
-                </a:lnTo>
-                <a:lnTo>
-                  <a:pt x="3376" y="2100"/>
-                </a:lnTo>
-                <a:lnTo>
-                  <a:pt x="3380" y="2094"/>
-                </a:lnTo>
-                <a:lnTo>
-                  <a:pt x="3384" y="2086"/>
-                </a:lnTo>
-                <a:lnTo>
-                  <a:pt x="3384" y="2076"/>
-                </a:lnTo>
-                <a:lnTo>
-                  <a:pt x="3384" y="44"/>
-                </a:lnTo>
-                <a:lnTo>
-                  <a:pt x="3384" y="44"/>
-                </a:lnTo>
-                <a:lnTo>
-                  <a:pt x="3384" y="34"/>
-                </a:lnTo>
-                <a:lnTo>
-                  <a:pt x="3380" y="26"/>
-                </a:lnTo>
-                <a:lnTo>
-                  <a:pt x="3376" y="20"/>
-                </a:lnTo>
-                <a:lnTo>
-                  <a:pt x="3372" y="12"/>
-                </a:lnTo>
-                <a:lnTo>
-                  <a:pt x="3364" y="8"/>
-                </a:lnTo>
-                <a:lnTo>
-                  <a:pt x="3358" y="4"/>
-                </a:lnTo>
-                <a:lnTo>
-                  <a:pt x="3350" y="0"/>
-                </a:lnTo>
-                <a:lnTo>
-                  <a:pt x="3340" y="0"/>
-                </a:lnTo>
-                <a:lnTo>
-                  <a:pt x="3340" y="0"/>
-                </a:lnTo>
-                <a:close/>
-              </a:path>
-            </a:pathLst>
-          </a:custGeom>
-          <a:solidFill>
-            <a:srgbClr val="4B5E64"/>
-          </a:solidFill>
-          <a:ln w="19050">
-            <a:noFill/>
-          </a:ln>
-          <a:effectLst>
-            <a:outerShdw blurRad="76200" sx="101000" sy="101000" algn="ctr" rotWithShape="0">
-              <a:prstClr val="black">
-                <a:alpha val="40000"/>
-              </a:prstClr>
-            </a:outerShdw>
-          </a:effectLst>
-        </p:spPr>
-        <p:style>
-          <a:lnRef idx="1">
-            <a:schemeClr val="accent1"/>
-          </a:lnRef>
-          <a:fillRef idx="3">
-            <a:schemeClr val="accent1"/>
-          </a:fillRef>
-          <a:effectRef idx="2">
-            <a:schemeClr val="accent1"/>
-          </a:effectRef>
-          <a:fontRef idx="minor">
-            <a:schemeClr val="lt1"/>
-          </a:fontRef>
-        </p:style>
-      </p:sp>
-      <p:sp>
-        <p:nvSpPr>
-          <p:cNvPr id="2" name="Título 1">
-            <a:extLst>
-              <a:ext uri="{FF2B5EF4-FFF2-40B4-BE49-F238E27FC236}">
-                <a16:creationId xmlns:a16="http://schemas.microsoft.com/office/drawing/2014/main" id="{F5EF8EAB-C91D-D849-9D04-4469BB70AA21}"/>
-              </a:ext>
-            </a:extLst>
-          </p:cNvPr>
-          <p:cNvSpPr>
-            <a:spLocks noGrp="1"/>
-          </p:cNvSpPr>
-          <p:nvPr>
-            <p:ph type="ctrTitle"/>
-          </p:nvPr>
-        </p:nvSpPr>
-        <p:spPr>
-          <a:xfrm>
-            <a:off x="1123213" y="4190835"/>
-            <a:ext cx="6108451" cy="638162"/>
-          </a:xfrm>
-        </p:spPr>
-        <p:txBody>
-          <a:bodyPr>
-            <a:noAutofit/>
-          </a:bodyPr>
-          <a:lstStyle/>
-          <a:p>
-            <a:pPr algn="l"/>
-            <a:r>
-              <a:rPr lang="pt-PT" b="1" dirty="0" err="1">
-                <a:solidFill>
-                  <a:schemeClr val="bg1"/>
-                </a:solidFill>
-                <a:latin typeface="Arial" panose="020B0604020202020204" pitchFamily="34" charset="0"/>
-                <a:cs typeface="Arial" panose="020B0604020202020204" pitchFamily="34" charset="0"/>
-              </a:rPr>
-              <a:t>CliGest</a:t>
-            </a:r>
-            <a:r>
-              <a:rPr lang="pt-PT" b="1" dirty="0">
-                <a:solidFill>
-                  <a:schemeClr val="bg1"/>
-                </a:solidFill>
-                <a:latin typeface="Arial" panose="020B0604020202020204" pitchFamily="34" charset="0"/>
-                <a:cs typeface="Arial" panose="020B0604020202020204" pitchFamily="34" charset="0"/>
-              </a:rPr>
-              <a:t> </a:t>
-            </a:r>
-            <a:r>
-              <a:rPr lang="pt-PT" b="1" dirty="0" err="1">
-                <a:solidFill>
-                  <a:schemeClr val="bg1"/>
-                </a:solidFill>
-                <a:latin typeface="Arial" panose="020B0604020202020204" pitchFamily="34" charset="0"/>
-                <a:cs typeface="Arial" panose="020B0604020202020204" pitchFamily="34" charset="0"/>
-              </a:rPr>
-              <a:t>App</a:t>
-            </a:r>
-            <a:endParaRPr lang="pt-PT" b="1" dirty="0">
-              <a:solidFill>
-                <a:schemeClr val="bg1"/>
-              </a:solidFill>
-              <a:latin typeface="Arial" panose="020B0604020202020204" pitchFamily="34" charset="0"/>
-              <a:cs typeface="Arial" panose="020B0604020202020204" pitchFamily="34" charset="0"/>
-            </a:endParaRPr>
-          </a:p>
-        </p:txBody>
-      </p:sp>
-      <p:sp>
-        <p:nvSpPr>
-          <p:cNvPr id="3" name="Subtítulo 2">
-            <a:extLst>
-              <a:ext uri="{FF2B5EF4-FFF2-40B4-BE49-F238E27FC236}">
-                <a16:creationId xmlns:a16="http://schemas.microsoft.com/office/drawing/2014/main" id="{6AB64E9A-1FC8-EA41-922F-742E73738860}"/>
-              </a:ext>
-            </a:extLst>
-          </p:cNvPr>
-          <p:cNvSpPr>
-            <a:spLocks noGrp="1"/>
-          </p:cNvSpPr>
-          <p:nvPr>
-            <p:ph type="subTitle" idx="1"/>
-          </p:nvPr>
-        </p:nvSpPr>
-        <p:spPr>
-          <a:xfrm>
-            <a:off x="1123213" y="4919820"/>
-            <a:ext cx="6124807" cy="456516"/>
-          </a:xfrm>
-        </p:spPr>
-        <p:txBody>
-          <a:bodyPr>
-            <a:noAutofit/>
-          </a:bodyPr>
-          <a:lstStyle/>
-          <a:p>
-            <a:pPr algn="l"/>
-            <a:r>
-              <a:rPr lang="pt-PT" sz="3200" dirty="0">
-                <a:solidFill>
-                  <a:srgbClr val="FFFFFF"/>
-                </a:solidFill>
-              </a:rPr>
-              <a:t>Nancia Laudino - 50036506</a:t>
-            </a:r>
-          </a:p>
-        </p:txBody>
-      </p:sp>
     </p:spTree>
     <p:extLst>
       <p:ext uri="{BB962C8B-B14F-4D97-AF65-F5344CB8AC3E}">
@@ -3376,7 +3670,7 @@
     </p:extLst>
   </p:cSld>
   <p:clrMapOvr>
-    <a:overrideClrMapping bg1="lt1" tx1="dk1" bg2="lt2" tx2="dk2" accent1="accent1" accent2="accent2" accent3="accent3" accent4="accent4" accent5="accent5" accent6="accent6" hlink="hlink" folHlink="folHlink"/>
+    <a:masterClrMapping/>
   </p:clrMapOvr>
 </p:sld>
 </file>
@@ -3403,7 +3697,7 @@
           <p:cNvPr id="2" name="Título 1">
             <a:extLst>
               <a:ext uri="{FF2B5EF4-FFF2-40B4-BE49-F238E27FC236}">
-                <a16:creationId xmlns:a16="http://schemas.microsoft.com/office/drawing/2014/main" id="{C92E209F-92E3-F748-ABCB-1E6C7DDDB514}"/>
+                <a16:creationId xmlns:a16="http://schemas.microsoft.com/office/drawing/2014/main" id="{3336451F-CDF6-FE43-A369-EB51EF0D6D18}"/>
               </a:ext>
             </a:extLst>
           </p:cNvPr>
@@ -3411,42 +3705,43 @@
             <a:spLocks noGrp="1"/>
           </p:cNvSpPr>
           <p:nvPr>
-            <p:ph type="ctrTitle"/>
-          </p:nvPr>
-        </p:nvSpPr>
-        <p:spPr>
-          <a:xfrm>
-            <a:off x="719037" y="145932"/>
-            <a:ext cx="10459644" cy="783245"/>
+            <p:ph type="title"/>
+          </p:nvPr>
+        </p:nvSpPr>
+        <p:spPr>
+          <a:xfrm>
+            <a:off x="489397" y="1"/>
+            <a:ext cx="10864403" cy="772731"/>
           </a:xfrm>
         </p:spPr>
         <p:txBody>
           <a:bodyPr>
-            <a:noAutofit/>
+            <a:normAutofit/>
           </a:bodyPr>
           <a:lstStyle/>
           <a:p>
-            <a:pPr algn="l"/>
-            <a:r>
-              <a:rPr lang="pt-PT" sz="3600" b="1" dirty="0"/>
-              <a:t>1. Autenticação</a:t>
+            <a:r>
+              <a:rPr lang="pt-PT" sz="1800" b="1" dirty="0"/>
+              <a:t>Modelo Entidade-Relacionamento</a:t>
             </a:r>
           </a:p>
         </p:txBody>
       </p:sp>
       <p:pic>
         <p:nvPicPr>
-          <p:cNvPr id="4" name="Imagem 3">
+          <p:cNvPr id="5" name="Marcador de Posição de Conteúdo 4" descr="Uma imagem com captura de ecrã&#10;&#10;Descrição gerada automaticamente">
             <a:extLst>
               <a:ext uri="{FF2B5EF4-FFF2-40B4-BE49-F238E27FC236}">
-                <a16:creationId xmlns:a16="http://schemas.microsoft.com/office/drawing/2014/main" id="{CD6A328F-4BE7-674C-A819-EF44416716BC}"/>
+                <a16:creationId xmlns:a16="http://schemas.microsoft.com/office/drawing/2014/main" id="{15140FF6-0E3B-9B43-91E5-A53F60DFC11C}"/>
               </a:ext>
             </a:extLst>
           </p:cNvPr>
           <p:cNvPicPr>
-            <a:picLocks noChangeAspect="1"/>
+            <a:picLocks noGrp="1" noChangeAspect="1"/>
           </p:cNvPicPr>
-          <p:nvPr/>
+          <p:nvPr>
+            <p:ph idx="1"/>
+          </p:nvPr>
         </p:nvPicPr>
         <p:blipFill>
           <a:blip r:embed="rId2"/>
@@ -3456,48 +3751,50 @@
         </p:blipFill>
         <p:spPr>
           <a:xfrm>
-            <a:off x="719037" y="1021183"/>
-            <a:ext cx="5128868" cy="5299262"/>
+            <a:off x="1609859" y="618186"/>
+            <a:ext cx="8178086" cy="6239814"/>
+          </a:xfrm>
+        </p:spPr>
+      </p:pic>
+      <p:sp>
+        <p:nvSpPr>
+          <p:cNvPr id="6" name="CaixaDeTexto 5">
+            <a:extLst>
+              <a:ext uri="{FF2B5EF4-FFF2-40B4-BE49-F238E27FC236}">
+                <a16:creationId xmlns:a16="http://schemas.microsoft.com/office/drawing/2014/main" id="{65248428-8749-084D-96FA-30F9BE114394}"/>
+              </a:ext>
+            </a:extLst>
+          </p:cNvPr>
+          <p:cNvSpPr txBox="1"/>
+          <p:nvPr/>
+        </p:nvSpPr>
+        <p:spPr>
+          <a:xfrm>
+            <a:off x="11629623" y="6362163"/>
+            <a:ext cx="321971" cy="369332"/>
           </a:xfrm>
           <a:prstGeom prst="rect">
             <a:avLst/>
           </a:prstGeom>
-        </p:spPr>
-      </p:pic>
-      <p:pic>
-        <p:nvPicPr>
-          <p:cNvPr id="21" name="Marcador de Posição de Conteúdo 7">
-            <a:extLst>
-              <a:ext uri="{FF2B5EF4-FFF2-40B4-BE49-F238E27FC236}">
-                <a16:creationId xmlns:a16="http://schemas.microsoft.com/office/drawing/2014/main" id="{3C1B1FA5-E719-5446-9193-DB9AFB344685}"/>
-              </a:ext>
-            </a:extLst>
-          </p:cNvPr>
-          <p:cNvPicPr>
-            <a:picLocks noChangeAspect="1"/>
-          </p:cNvPicPr>
-          <p:nvPr/>
-        </p:nvPicPr>
-        <p:blipFill>
-          <a:blip r:embed="rId3"/>
-          <a:stretch>
-            <a:fillRect/>
-          </a:stretch>
-        </p:blipFill>
-        <p:spPr>
-          <a:xfrm>
-            <a:off x="6236168" y="1021183"/>
-            <a:ext cx="5236795" cy="5299262"/>
-          </a:xfrm>
-          <a:prstGeom prst="rect">
-            <a:avLst/>
-          </a:prstGeom>
-        </p:spPr>
-      </p:pic>
+          <a:noFill/>
+        </p:spPr>
+        <p:txBody>
+          <a:bodyPr wrap="square" rtlCol="0">
+            <a:spAutoFit/>
+          </a:bodyPr>
+          <a:lstStyle/>
+          <a:p>
+            <a:r>
+              <a:rPr lang="pt-PT" dirty="0"/>
+              <a:t>1</a:t>
+            </a:r>
+          </a:p>
+        </p:txBody>
+      </p:sp>
     </p:spTree>
     <p:extLst>
       <p:ext uri="{BB962C8B-B14F-4D97-AF65-F5344CB8AC3E}">
-        <p14:creationId xmlns:p14="http://schemas.microsoft.com/office/powerpoint/2010/main" val="2200781201"/>
+        <p14:creationId xmlns:p14="http://schemas.microsoft.com/office/powerpoint/2010/main" val="3791721192"/>
       </p:ext>
     </p:extLst>
   </p:cSld>
@@ -3529,6 +3826,167 @@
           <p:cNvPr id="2" name="Título 1">
             <a:extLst>
               <a:ext uri="{FF2B5EF4-FFF2-40B4-BE49-F238E27FC236}">
+                <a16:creationId xmlns:a16="http://schemas.microsoft.com/office/drawing/2014/main" id="{C92E209F-92E3-F748-ABCB-1E6C7DDDB514}"/>
+              </a:ext>
+            </a:extLst>
+          </p:cNvPr>
+          <p:cNvSpPr>
+            <a:spLocks noGrp="1"/>
+          </p:cNvSpPr>
+          <p:nvPr>
+            <p:ph type="ctrTitle"/>
+          </p:nvPr>
+        </p:nvSpPr>
+        <p:spPr>
+          <a:xfrm>
+            <a:off x="719037" y="145932"/>
+            <a:ext cx="10459644" cy="783245"/>
+          </a:xfrm>
+        </p:spPr>
+        <p:txBody>
+          <a:bodyPr>
+            <a:noAutofit/>
+          </a:bodyPr>
+          <a:lstStyle/>
+          <a:p>
+            <a:pPr algn="l"/>
+            <a:r>
+              <a:rPr lang="pt-PT" sz="3600" b="1" dirty="0"/>
+              <a:t>1. Janela Principal - Autenticação</a:t>
+            </a:r>
+          </a:p>
+        </p:txBody>
+      </p:sp>
+      <p:pic>
+        <p:nvPicPr>
+          <p:cNvPr id="4" name="Imagem 3">
+            <a:extLst>
+              <a:ext uri="{FF2B5EF4-FFF2-40B4-BE49-F238E27FC236}">
+                <a16:creationId xmlns:a16="http://schemas.microsoft.com/office/drawing/2014/main" id="{CD6A328F-4BE7-674C-A819-EF44416716BC}"/>
+              </a:ext>
+            </a:extLst>
+          </p:cNvPr>
+          <p:cNvPicPr>
+            <a:picLocks noChangeAspect="1"/>
+          </p:cNvPicPr>
+          <p:nvPr/>
+        </p:nvPicPr>
+        <p:blipFill>
+          <a:blip r:embed="rId2"/>
+          <a:stretch>
+            <a:fillRect/>
+          </a:stretch>
+        </p:blipFill>
+        <p:spPr>
+          <a:xfrm>
+            <a:off x="719037" y="1021183"/>
+            <a:ext cx="5128868" cy="5299262"/>
+          </a:xfrm>
+          <a:prstGeom prst="rect">
+            <a:avLst/>
+          </a:prstGeom>
+        </p:spPr>
+      </p:pic>
+      <p:pic>
+        <p:nvPicPr>
+          <p:cNvPr id="21" name="Marcador de Posição de Conteúdo 7">
+            <a:extLst>
+              <a:ext uri="{FF2B5EF4-FFF2-40B4-BE49-F238E27FC236}">
+                <a16:creationId xmlns:a16="http://schemas.microsoft.com/office/drawing/2014/main" id="{3C1B1FA5-E719-5446-9193-DB9AFB344685}"/>
+              </a:ext>
+            </a:extLst>
+          </p:cNvPr>
+          <p:cNvPicPr>
+            <a:picLocks noChangeAspect="1"/>
+          </p:cNvPicPr>
+          <p:nvPr/>
+        </p:nvPicPr>
+        <p:blipFill>
+          <a:blip r:embed="rId3"/>
+          <a:stretch>
+            <a:fillRect/>
+          </a:stretch>
+        </p:blipFill>
+        <p:spPr>
+          <a:xfrm>
+            <a:off x="6236168" y="1021183"/>
+            <a:ext cx="5236795" cy="5299262"/>
+          </a:xfrm>
+          <a:prstGeom prst="rect">
+            <a:avLst/>
+          </a:prstGeom>
+        </p:spPr>
+      </p:pic>
+      <p:sp>
+        <p:nvSpPr>
+          <p:cNvPr id="7" name="CaixaDeTexto 6">
+            <a:extLst>
+              <a:ext uri="{FF2B5EF4-FFF2-40B4-BE49-F238E27FC236}">
+                <a16:creationId xmlns:a16="http://schemas.microsoft.com/office/drawing/2014/main" id="{BE99C24A-D3D0-1E48-A5F3-79A2892887A3}"/>
+              </a:ext>
+            </a:extLst>
+          </p:cNvPr>
+          <p:cNvSpPr txBox="1"/>
+          <p:nvPr/>
+        </p:nvSpPr>
+        <p:spPr>
+          <a:xfrm>
+            <a:off x="11629623" y="6362163"/>
+            <a:ext cx="321971" cy="369332"/>
+          </a:xfrm>
+          <a:prstGeom prst="rect">
+            <a:avLst/>
+          </a:prstGeom>
+          <a:noFill/>
+        </p:spPr>
+        <p:txBody>
+          <a:bodyPr wrap="square" rtlCol="0">
+            <a:spAutoFit/>
+          </a:bodyPr>
+          <a:lstStyle/>
+          <a:p>
+            <a:r>
+              <a:rPr lang="pt-PT" dirty="0"/>
+              <a:t>2</a:t>
+            </a:r>
+          </a:p>
+        </p:txBody>
+      </p:sp>
+    </p:spTree>
+    <p:extLst>
+      <p:ext uri="{BB962C8B-B14F-4D97-AF65-F5344CB8AC3E}">
+        <p14:creationId xmlns:p14="http://schemas.microsoft.com/office/powerpoint/2010/main" val="2200781201"/>
+      </p:ext>
+    </p:extLst>
+  </p:cSld>
+  <p:clrMapOvr>
+    <a:masterClrMapping/>
+  </p:clrMapOvr>
+</p:sld>
+</file>
+
+<file path=ppt/slides/slide4.xml><?xml version="1.0" encoding="utf-8"?>
+<p:sld xmlns:a="http://schemas.openxmlformats.org/drawingml/2006/main" xmlns:r="http://schemas.openxmlformats.org/officeDocument/2006/relationships" xmlns:p="http://schemas.openxmlformats.org/presentationml/2006/main">
+  <p:cSld>
+    <p:spTree>
+      <p:nvGrpSpPr>
+        <p:cNvPr id="1" name=""/>
+        <p:cNvGrpSpPr/>
+        <p:nvPr/>
+      </p:nvGrpSpPr>
+      <p:grpSpPr>
+        <a:xfrm>
+          <a:off x="0" y="0"/>
+          <a:ext cx="0" cy="0"/>
+          <a:chOff x="0" y="0"/>
+          <a:chExt cx="0" cy="0"/>
+        </a:xfrm>
+      </p:grpSpPr>
+      <p:sp>
+        <p:nvSpPr>
+          <p:cNvPr id="2" name="Título 1">
+            <a:extLst>
+              <a:ext uri="{FF2B5EF4-FFF2-40B4-BE49-F238E27FC236}">
                 <a16:creationId xmlns:a16="http://schemas.microsoft.com/office/drawing/2014/main" id="{5E832D70-F249-274C-B422-42FA5F4B5C1A}"/>
               </a:ext>
             </a:extLst>
@@ -3618,6 +4076,41 @@
           </a:xfrm>
         </p:spPr>
       </p:pic>
+      <p:sp>
+        <p:nvSpPr>
+          <p:cNvPr id="5" name="CaixaDeTexto 4">
+            <a:extLst>
+              <a:ext uri="{FF2B5EF4-FFF2-40B4-BE49-F238E27FC236}">
+                <a16:creationId xmlns:a16="http://schemas.microsoft.com/office/drawing/2014/main" id="{7D4F8C51-26BE-3746-BDB4-5B2DF8164C7A}"/>
+              </a:ext>
+            </a:extLst>
+          </p:cNvPr>
+          <p:cNvSpPr txBox="1"/>
+          <p:nvPr/>
+        </p:nvSpPr>
+        <p:spPr>
+          <a:xfrm>
+            <a:off x="11629623" y="6362163"/>
+            <a:ext cx="321971" cy="369332"/>
+          </a:xfrm>
+          <a:prstGeom prst="rect">
+            <a:avLst/>
+          </a:prstGeom>
+          <a:noFill/>
+        </p:spPr>
+        <p:txBody>
+          <a:bodyPr wrap="square" rtlCol="0">
+            <a:spAutoFit/>
+          </a:bodyPr>
+          <a:lstStyle/>
+          <a:p>
+            <a:r>
+              <a:rPr lang="pt-PT" dirty="0"/>
+              <a:t>3</a:t>
+            </a:r>
+          </a:p>
+        </p:txBody>
+      </p:sp>
     </p:spTree>
     <p:extLst>
       <p:ext uri="{BB962C8B-B14F-4D97-AF65-F5344CB8AC3E}">
@@ -3631,7 +4124,7 @@
 </p:sld>
 </file>
 
-<file path=ppt/slides/slide4.xml><?xml version="1.0" encoding="utf-8"?>
+<file path=ppt/slides/slide5.xml><?xml version="1.0" encoding="utf-8"?>
 <p:sld xmlns:a="http://schemas.openxmlformats.org/drawingml/2006/main" xmlns:r="http://schemas.openxmlformats.org/officeDocument/2006/relationships" xmlns:p="http://schemas.openxmlformats.org/presentationml/2006/main">
   <p:cSld>
     <p:spTree>
@@ -3802,105 +4295,45 @@
           </a:prstGeom>
         </p:spPr>
       </p:pic>
+      <p:sp>
+        <p:nvSpPr>
+          <p:cNvPr id="7" name="CaixaDeTexto 6">
+            <a:extLst>
+              <a:ext uri="{FF2B5EF4-FFF2-40B4-BE49-F238E27FC236}">
+                <a16:creationId xmlns:a16="http://schemas.microsoft.com/office/drawing/2014/main" id="{DDDAC902-F779-704E-AE9F-ED7E9367327A}"/>
+              </a:ext>
+            </a:extLst>
+          </p:cNvPr>
+          <p:cNvSpPr txBox="1"/>
+          <p:nvPr/>
+        </p:nvSpPr>
+        <p:spPr>
+          <a:xfrm>
+            <a:off x="11629623" y="6362163"/>
+            <a:ext cx="321971" cy="369332"/>
+          </a:xfrm>
+          <a:prstGeom prst="rect">
+            <a:avLst/>
+          </a:prstGeom>
+          <a:noFill/>
+        </p:spPr>
+        <p:txBody>
+          <a:bodyPr wrap="square" rtlCol="0">
+            <a:spAutoFit/>
+          </a:bodyPr>
+          <a:lstStyle/>
+          <a:p>
+            <a:r>
+              <a:rPr lang="pt-PT" dirty="0"/>
+              <a:t>4</a:t>
+            </a:r>
+          </a:p>
+        </p:txBody>
+      </p:sp>
     </p:spTree>
     <p:extLst>
       <p:ext uri="{BB962C8B-B14F-4D97-AF65-F5344CB8AC3E}">
         <p14:creationId xmlns:p14="http://schemas.microsoft.com/office/powerpoint/2010/main" val="111498419"/>
-      </p:ext>
-    </p:extLst>
-  </p:cSld>
-  <p:clrMapOvr>
-    <a:masterClrMapping/>
-  </p:clrMapOvr>
-</p:sld>
-</file>
-
-<file path=ppt/slides/slide5.xml><?xml version="1.0" encoding="utf-8"?>
-<p:sld xmlns:a="http://schemas.openxmlformats.org/drawingml/2006/main" xmlns:r="http://schemas.openxmlformats.org/officeDocument/2006/relationships" xmlns:p="http://schemas.openxmlformats.org/presentationml/2006/main">
-  <p:cSld>
-    <p:spTree>
-      <p:nvGrpSpPr>
-        <p:cNvPr id="1" name=""/>
-        <p:cNvGrpSpPr/>
-        <p:nvPr/>
-      </p:nvGrpSpPr>
-      <p:grpSpPr>
-        <a:xfrm>
-          <a:off x="0" y="0"/>
-          <a:ext cx="0" cy="0"/>
-          <a:chOff x="0" y="0"/>
-          <a:chExt cx="0" cy="0"/>
-        </a:xfrm>
-      </p:grpSpPr>
-      <p:sp>
-        <p:nvSpPr>
-          <p:cNvPr id="2" name="Título 1">
-            <a:extLst>
-              <a:ext uri="{FF2B5EF4-FFF2-40B4-BE49-F238E27FC236}">
-                <a16:creationId xmlns:a16="http://schemas.microsoft.com/office/drawing/2014/main" id="{26ED32BE-F839-744B-AD8B-EF5E6A8BA75B}"/>
-              </a:ext>
-            </a:extLst>
-          </p:cNvPr>
-          <p:cNvSpPr>
-            <a:spLocks noGrp="1"/>
-          </p:cNvSpPr>
-          <p:nvPr>
-            <p:ph type="title"/>
-          </p:nvPr>
-        </p:nvSpPr>
-        <p:spPr>
-          <a:xfrm>
-            <a:off x="838200" y="-109182"/>
-            <a:ext cx="10515600" cy="1325563"/>
-          </a:xfrm>
-        </p:spPr>
-        <p:txBody>
-          <a:bodyPr>
-            <a:normAutofit/>
-          </a:bodyPr>
-          <a:lstStyle/>
-          <a:p>
-            <a:r>
-              <a:rPr lang="pt-PT" sz="3600" b="1" dirty="0"/>
-              <a:t>4. Agendamento</a:t>
-            </a:r>
-          </a:p>
-        </p:txBody>
-      </p:sp>
-      <p:pic>
-        <p:nvPicPr>
-          <p:cNvPr id="5" name="Imagem 4">
-            <a:extLst>
-              <a:ext uri="{FF2B5EF4-FFF2-40B4-BE49-F238E27FC236}">
-                <a16:creationId xmlns:a16="http://schemas.microsoft.com/office/drawing/2014/main" id="{D8590869-8F5E-5942-B5CE-FBCFDCD30182}"/>
-              </a:ext>
-            </a:extLst>
-          </p:cNvPr>
-          <p:cNvPicPr>
-            <a:picLocks noChangeAspect="1"/>
-          </p:cNvPicPr>
-          <p:nvPr/>
-        </p:nvPicPr>
-        <p:blipFill>
-          <a:blip r:embed="rId2"/>
-          <a:stretch>
-            <a:fillRect/>
-          </a:stretch>
-        </p:blipFill>
-        <p:spPr>
-          <a:xfrm>
-            <a:off x="2514600" y="965200"/>
-            <a:ext cx="5698898" cy="5689600"/>
-          </a:xfrm>
-          <a:prstGeom prst="rect">
-            <a:avLst/>
-          </a:prstGeom>
-        </p:spPr>
-      </p:pic>
-    </p:spTree>
-    <p:extLst>
-      <p:ext uri="{BB962C8B-B14F-4D97-AF65-F5344CB8AC3E}">
-        <p14:creationId xmlns:p14="http://schemas.microsoft.com/office/powerpoint/2010/main" val="2360001884"/>
       </p:ext>
     </p:extLst>
   </p:cSld>
@@ -3932,7 +4365,7 @@
           <p:cNvPr id="2" name="Título 1">
             <a:extLst>
               <a:ext uri="{FF2B5EF4-FFF2-40B4-BE49-F238E27FC236}">
-                <a16:creationId xmlns:a16="http://schemas.microsoft.com/office/drawing/2014/main" id="{52E2D28F-CF4F-7A42-B5A5-19FB59A8C8AD}"/>
+                <a16:creationId xmlns:a16="http://schemas.microsoft.com/office/drawing/2014/main" id="{26ED32BE-F839-744B-AD8B-EF5E6A8BA75B}"/>
               </a:ext>
             </a:extLst>
           </p:cNvPr>
@@ -3945,7 +4378,7 @@
         </p:nvSpPr>
         <p:spPr>
           <a:xfrm>
-            <a:off x="1070212" y="0"/>
+            <a:off x="838200" y="-109182"/>
             <a:ext cx="10515600" cy="1325563"/>
           </a:xfrm>
         </p:spPr>
@@ -3957,7 +4390,7 @@
           <a:p>
             <a:r>
               <a:rPr lang="pt-PT" sz="3600" b="1" dirty="0"/>
-              <a:t>5. Lista de Agendamentos</a:t>
+              <a:t>4. Agendamento</a:t>
             </a:r>
           </a:p>
         </p:txBody>
@@ -3967,7 +4400,7 @@
           <p:cNvPr id="5" name="Imagem 4">
             <a:extLst>
               <a:ext uri="{FF2B5EF4-FFF2-40B4-BE49-F238E27FC236}">
-                <a16:creationId xmlns:a16="http://schemas.microsoft.com/office/drawing/2014/main" id="{02CDFD0F-F89B-C34B-8791-AE66741D8243}"/>
+                <a16:creationId xmlns:a16="http://schemas.microsoft.com/office/drawing/2014/main" id="{D8590869-8F5E-5942-B5CE-FBCFDCD30182}"/>
               </a:ext>
             </a:extLst>
           </p:cNvPr>
@@ -3984,18 +4417,200 @@
         </p:blipFill>
         <p:spPr>
           <a:xfrm>
-            <a:off x="2586450" y="1073645"/>
-            <a:ext cx="5693950" cy="5554070"/>
+            <a:off x="2514600" y="965200"/>
+            <a:ext cx="5698898" cy="5689600"/>
           </a:xfrm>
           <a:prstGeom prst="rect">
             <a:avLst/>
           </a:prstGeom>
         </p:spPr>
       </p:pic>
+      <p:sp>
+        <p:nvSpPr>
+          <p:cNvPr id="3" name="Seta para Baixo 2">
+            <a:extLst>
+              <a:ext uri="{FF2B5EF4-FFF2-40B4-BE49-F238E27FC236}">
+                <a16:creationId xmlns:a16="http://schemas.microsoft.com/office/drawing/2014/main" id="{3AD4B45A-A304-944C-BDAC-559BDB0CD8BF}"/>
+              </a:ext>
+            </a:extLst>
+          </p:cNvPr>
+          <p:cNvSpPr/>
+          <p:nvPr/>
+        </p:nvSpPr>
+        <p:spPr>
+          <a:xfrm rot="5400000">
+            <a:off x="7759036" y="1694933"/>
+            <a:ext cx="201884" cy="1113307"/>
+          </a:xfrm>
+          <a:prstGeom prst="downArrow">
+            <a:avLst/>
+          </a:prstGeom>
+          <a:solidFill>
+            <a:srgbClr val="FF0000"/>
+          </a:solidFill>
+        </p:spPr>
+        <p:style>
+          <a:lnRef idx="2">
+            <a:schemeClr val="accent1">
+              <a:shade val="50000"/>
+            </a:schemeClr>
+          </a:lnRef>
+          <a:fillRef idx="1">
+            <a:schemeClr val="accent1"/>
+          </a:fillRef>
+          <a:effectRef idx="0">
+            <a:schemeClr val="accent1"/>
+          </a:effectRef>
+          <a:fontRef idx="minor">
+            <a:schemeClr val="lt1"/>
+          </a:fontRef>
+        </p:style>
+        <p:txBody>
+          <a:bodyPr rtlCol="0" anchor="ctr"/>
+          <a:lstStyle/>
+          <a:p>
+            <a:pPr algn="ctr"/>
+            <a:endParaRPr lang="pt-PT"/>
+          </a:p>
+        </p:txBody>
+      </p:sp>
+      <p:sp>
+        <p:nvSpPr>
+          <p:cNvPr id="6" name="Seta para Baixo 5">
+            <a:extLst>
+              <a:ext uri="{FF2B5EF4-FFF2-40B4-BE49-F238E27FC236}">
+                <a16:creationId xmlns:a16="http://schemas.microsoft.com/office/drawing/2014/main" id="{3F4BCEFA-CE35-914D-9DCD-51EB390D67A4}"/>
+              </a:ext>
+            </a:extLst>
+          </p:cNvPr>
+          <p:cNvSpPr/>
+          <p:nvPr/>
+        </p:nvSpPr>
+        <p:spPr>
+          <a:xfrm rot="5400000">
+            <a:off x="7714502" y="2797214"/>
+            <a:ext cx="201886" cy="1202373"/>
+          </a:xfrm>
+          <a:prstGeom prst="downArrow">
+            <a:avLst/>
+          </a:prstGeom>
+          <a:solidFill>
+            <a:srgbClr val="FF0000"/>
+          </a:solidFill>
+        </p:spPr>
+        <p:style>
+          <a:lnRef idx="2">
+            <a:schemeClr val="accent1">
+              <a:shade val="50000"/>
+            </a:schemeClr>
+          </a:lnRef>
+          <a:fillRef idx="1">
+            <a:schemeClr val="accent1"/>
+          </a:fillRef>
+          <a:effectRef idx="0">
+            <a:schemeClr val="accent1"/>
+          </a:effectRef>
+          <a:fontRef idx="minor">
+            <a:schemeClr val="lt1"/>
+          </a:fontRef>
+        </p:style>
+        <p:txBody>
+          <a:bodyPr rtlCol="0" anchor="ctr"/>
+          <a:lstStyle/>
+          <a:p>
+            <a:pPr algn="ctr"/>
+            <a:endParaRPr lang="pt-PT"/>
+          </a:p>
+        </p:txBody>
+      </p:sp>
+      <p:sp>
+        <p:nvSpPr>
+          <p:cNvPr id="7" name="Seta para Baixo 6">
+            <a:extLst>
+              <a:ext uri="{FF2B5EF4-FFF2-40B4-BE49-F238E27FC236}">
+                <a16:creationId xmlns:a16="http://schemas.microsoft.com/office/drawing/2014/main" id="{23FB94F1-90C3-E649-A592-E0CE30D3F50C}"/>
+              </a:ext>
+            </a:extLst>
+          </p:cNvPr>
+          <p:cNvSpPr/>
+          <p:nvPr/>
+        </p:nvSpPr>
+        <p:spPr>
+          <a:xfrm rot="5400000">
+            <a:off x="7714501" y="2192924"/>
+            <a:ext cx="201886" cy="1202375"/>
+          </a:xfrm>
+          <a:prstGeom prst="downArrow">
+            <a:avLst/>
+          </a:prstGeom>
+          <a:solidFill>
+            <a:srgbClr val="FF0000"/>
+          </a:solidFill>
+        </p:spPr>
+        <p:style>
+          <a:lnRef idx="2">
+            <a:schemeClr val="accent1">
+              <a:shade val="50000"/>
+            </a:schemeClr>
+          </a:lnRef>
+          <a:fillRef idx="1">
+            <a:schemeClr val="accent1"/>
+          </a:fillRef>
+          <a:effectRef idx="0">
+            <a:schemeClr val="accent1"/>
+          </a:effectRef>
+          <a:fontRef idx="minor">
+            <a:schemeClr val="lt1"/>
+          </a:fontRef>
+        </p:style>
+        <p:txBody>
+          <a:bodyPr rtlCol="0" anchor="ctr"/>
+          <a:lstStyle/>
+          <a:p>
+            <a:pPr algn="ctr"/>
+            <a:endParaRPr lang="pt-PT"/>
+          </a:p>
+        </p:txBody>
+      </p:sp>
+      <p:sp>
+        <p:nvSpPr>
+          <p:cNvPr id="8" name="CaixaDeTexto 7">
+            <a:extLst>
+              <a:ext uri="{FF2B5EF4-FFF2-40B4-BE49-F238E27FC236}">
+                <a16:creationId xmlns:a16="http://schemas.microsoft.com/office/drawing/2014/main" id="{79EDF11D-2259-C949-B3DD-9B75C15EB84F}"/>
+              </a:ext>
+            </a:extLst>
+          </p:cNvPr>
+          <p:cNvSpPr txBox="1"/>
+          <p:nvPr/>
+        </p:nvSpPr>
+        <p:spPr>
+          <a:xfrm>
+            <a:off x="11629623" y="6362163"/>
+            <a:ext cx="321971" cy="369332"/>
+          </a:xfrm>
+          <a:prstGeom prst="rect">
+            <a:avLst/>
+          </a:prstGeom>
+          <a:noFill/>
+        </p:spPr>
+        <p:txBody>
+          <a:bodyPr wrap="square" rtlCol="0">
+            <a:spAutoFit/>
+          </a:bodyPr>
+          <a:lstStyle/>
+          <a:p>
+            <a:r>
+              <a:rPr lang="pt-PT" dirty="0"/>
+              <a:t>5</a:t>
+            </a:r>
+          </a:p>
+        </p:txBody>
+      </p:sp>
     </p:spTree>
     <p:extLst>
       <p:ext uri="{BB962C8B-B14F-4D97-AF65-F5344CB8AC3E}">
-        <p14:creationId xmlns:p14="http://schemas.microsoft.com/office/powerpoint/2010/main" val="1353984570"/>
+        <p14:creationId xmlns:p14="http://schemas.microsoft.com/office/powerpoint/2010/main" val="2360001884"/>
       </p:ext>
     </p:extLst>
   </p:cSld>
@@ -4027,6 +4642,189 @@
           <p:cNvPr id="2" name="Título 1">
             <a:extLst>
               <a:ext uri="{FF2B5EF4-FFF2-40B4-BE49-F238E27FC236}">
+                <a16:creationId xmlns:a16="http://schemas.microsoft.com/office/drawing/2014/main" id="{52E2D28F-CF4F-7A42-B5A5-19FB59A8C8AD}"/>
+              </a:ext>
+            </a:extLst>
+          </p:cNvPr>
+          <p:cNvSpPr>
+            <a:spLocks noGrp="1"/>
+          </p:cNvSpPr>
+          <p:nvPr>
+            <p:ph type="title"/>
+          </p:nvPr>
+        </p:nvSpPr>
+        <p:spPr>
+          <a:xfrm>
+            <a:off x="1070212" y="0"/>
+            <a:ext cx="10515600" cy="1325563"/>
+          </a:xfrm>
+        </p:spPr>
+        <p:txBody>
+          <a:bodyPr>
+            <a:normAutofit/>
+          </a:bodyPr>
+          <a:lstStyle/>
+          <a:p>
+            <a:r>
+              <a:rPr lang="pt-PT" sz="3600" b="1" dirty="0"/>
+              <a:t>5. Lista de Agendamentos</a:t>
+            </a:r>
+          </a:p>
+        </p:txBody>
+      </p:sp>
+      <p:pic>
+        <p:nvPicPr>
+          <p:cNvPr id="5" name="Imagem 4">
+            <a:extLst>
+              <a:ext uri="{FF2B5EF4-FFF2-40B4-BE49-F238E27FC236}">
+                <a16:creationId xmlns:a16="http://schemas.microsoft.com/office/drawing/2014/main" id="{02CDFD0F-F89B-C34B-8791-AE66741D8243}"/>
+              </a:ext>
+            </a:extLst>
+          </p:cNvPr>
+          <p:cNvPicPr>
+            <a:picLocks noChangeAspect="1"/>
+          </p:cNvPicPr>
+          <p:nvPr/>
+        </p:nvPicPr>
+        <p:blipFill>
+          <a:blip r:embed="rId2"/>
+          <a:stretch>
+            <a:fillRect/>
+          </a:stretch>
+        </p:blipFill>
+        <p:spPr>
+          <a:xfrm>
+            <a:off x="2586450" y="1073645"/>
+            <a:ext cx="5693950" cy="5554070"/>
+          </a:xfrm>
+          <a:prstGeom prst="rect">
+            <a:avLst/>
+          </a:prstGeom>
+        </p:spPr>
+      </p:pic>
+      <p:sp>
+        <p:nvSpPr>
+          <p:cNvPr id="3" name="Moldura 2">
+            <a:extLst>
+              <a:ext uri="{FF2B5EF4-FFF2-40B4-BE49-F238E27FC236}">
+                <a16:creationId xmlns:a16="http://schemas.microsoft.com/office/drawing/2014/main" id="{2C0DE444-C93C-8C42-8AC5-F0F43D7324E3}"/>
+              </a:ext>
+            </a:extLst>
+          </p:cNvPr>
+          <p:cNvSpPr/>
+          <p:nvPr/>
+        </p:nvSpPr>
+        <p:spPr>
+          <a:xfrm>
+            <a:off x="2981170" y="3826930"/>
+            <a:ext cx="4904509" cy="391886"/>
+          </a:xfrm>
+          <a:prstGeom prst="frame">
+            <a:avLst/>
+          </a:prstGeom>
+          <a:solidFill>
+            <a:srgbClr val="FF0000"/>
+          </a:solidFill>
+        </p:spPr>
+        <p:style>
+          <a:lnRef idx="2">
+            <a:schemeClr val="accent1">
+              <a:shade val="50000"/>
+            </a:schemeClr>
+          </a:lnRef>
+          <a:fillRef idx="1">
+            <a:schemeClr val="accent1"/>
+          </a:fillRef>
+          <a:effectRef idx="0">
+            <a:schemeClr val="accent1"/>
+          </a:effectRef>
+          <a:fontRef idx="minor">
+            <a:schemeClr val="lt1"/>
+          </a:fontRef>
+        </p:style>
+        <p:txBody>
+          <a:bodyPr rtlCol="0" anchor="ctr"/>
+          <a:lstStyle/>
+          <a:p>
+            <a:pPr algn="ctr"/>
+            <a:endParaRPr lang="pt-PT">
+              <a:solidFill>
+                <a:srgbClr val="C00000"/>
+              </a:solidFill>
+            </a:endParaRPr>
+          </a:p>
+        </p:txBody>
+      </p:sp>
+      <p:sp>
+        <p:nvSpPr>
+          <p:cNvPr id="6" name="CaixaDeTexto 5">
+            <a:extLst>
+              <a:ext uri="{FF2B5EF4-FFF2-40B4-BE49-F238E27FC236}">
+                <a16:creationId xmlns:a16="http://schemas.microsoft.com/office/drawing/2014/main" id="{7758AF11-0644-E444-A1CA-011B864CC8D3}"/>
+              </a:ext>
+            </a:extLst>
+          </p:cNvPr>
+          <p:cNvSpPr txBox="1"/>
+          <p:nvPr/>
+        </p:nvSpPr>
+        <p:spPr>
+          <a:xfrm>
+            <a:off x="11629623" y="6362163"/>
+            <a:ext cx="321971" cy="369332"/>
+          </a:xfrm>
+          <a:prstGeom prst="rect">
+            <a:avLst/>
+          </a:prstGeom>
+          <a:noFill/>
+        </p:spPr>
+        <p:txBody>
+          <a:bodyPr wrap="square" rtlCol="0">
+            <a:spAutoFit/>
+          </a:bodyPr>
+          <a:lstStyle/>
+          <a:p>
+            <a:r>
+              <a:rPr lang="pt-PT" dirty="0"/>
+              <a:t>6</a:t>
+            </a:r>
+          </a:p>
+        </p:txBody>
+      </p:sp>
+    </p:spTree>
+    <p:extLst>
+      <p:ext uri="{BB962C8B-B14F-4D97-AF65-F5344CB8AC3E}">
+        <p14:creationId xmlns:p14="http://schemas.microsoft.com/office/powerpoint/2010/main" val="1353984570"/>
+      </p:ext>
+    </p:extLst>
+  </p:cSld>
+  <p:clrMapOvr>
+    <a:masterClrMapping/>
+  </p:clrMapOvr>
+</p:sld>
+</file>
+
+<file path=ppt/slides/slide8.xml><?xml version="1.0" encoding="utf-8"?>
+<p:sld xmlns:a="http://schemas.openxmlformats.org/drawingml/2006/main" xmlns:r="http://schemas.openxmlformats.org/officeDocument/2006/relationships" xmlns:p="http://schemas.openxmlformats.org/presentationml/2006/main">
+  <p:cSld>
+    <p:spTree>
+      <p:nvGrpSpPr>
+        <p:cNvPr id="1" name=""/>
+        <p:cNvGrpSpPr/>
+        <p:nvPr/>
+      </p:nvGrpSpPr>
+      <p:grpSpPr>
+        <a:xfrm>
+          <a:off x="0" y="0"/>
+          <a:ext cx="0" cy="0"/>
+          <a:chOff x="0" y="0"/>
+          <a:chExt cx="0" cy="0"/>
+        </a:xfrm>
+      </p:grpSpPr>
+      <p:sp>
+        <p:nvSpPr>
+          <p:cNvPr id="2" name="Título 1">
+            <a:extLst>
+              <a:ext uri="{FF2B5EF4-FFF2-40B4-BE49-F238E27FC236}">
                 <a16:creationId xmlns:a16="http://schemas.microsoft.com/office/drawing/2014/main" id="{0128AA62-5985-564B-A27E-FA07B2F57528}"/>
               </a:ext>
             </a:extLst>
@@ -4144,10 +4942,446 @@
           </a:prstGeom>
         </p:spPr>
       </p:pic>
+      <p:sp>
+        <p:nvSpPr>
+          <p:cNvPr id="6" name="CaixaDeTexto 5">
+            <a:extLst>
+              <a:ext uri="{FF2B5EF4-FFF2-40B4-BE49-F238E27FC236}">
+                <a16:creationId xmlns:a16="http://schemas.microsoft.com/office/drawing/2014/main" id="{1D3DA793-3F32-8847-A6C7-0438C4DF25E8}"/>
+              </a:ext>
+            </a:extLst>
+          </p:cNvPr>
+          <p:cNvSpPr txBox="1"/>
+          <p:nvPr/>
+        </p:nvSpPr>
+        <p:spPr>
+          <a:xfrm>
+            <a:off x="11629623" y="6362163"/>
+            <a:ext cx="321971" cy="369332"/>
+          </a:xfrm>
+          <a:prstGeom prst="rect">
+            <a:avLst/>
+          </a:prstGeom>
+          <a:noFill/>
+        </p:spPr>
+        <p:txBody>
+          <a:bodyPr wrap="square" rtlCol="0">
+            <a:spAutoFit/>
+          </a:bodyPr>
+          <a:lstStyle/>
+          <a:p>
+            <a:r>
+              <a:rPr lang="pt-PT" dirty="0"/>
+              <a:t>7</a:t>
+            </a:r>
+          </a:p>
+        </p:txBody>
+      </p:sp>
     </p:spTree>
     <p:extLst>
       <p:ext uri="{BB962C8B-B14F-4D97-AF65-F5344CB8AC3E}">
         <p14:creationId xmlns:p14="http://schemas.microsoft.com/office/powerpoint/2010/main" val="3673713267"/>
+      </p:ext>
+    </p:extLst>
+  </p:cSld>
+  <p:clrMapOvr>
+    <a:masterClrMapping/>
+  </p:clrMapOvr>
+</p:sld>
+</file>
+
+<file path=ppt/slides/slide9.xml><?xml version="1.0" encoding="utf-8"?>
+<p:sld xmlns:a="http://schemas.openxmlformats.org/drawingml/2006/main" xmlns:r="http://schemas.openxmlformats.org/officeDocument/2006/relationships" xmlns:p="http://schemas.openxmlformats.org/presentationml/2006/main">
+  <p:cSld>
+    <p:bg>
+      <p:bgPr>
+        <a:solidFill>
+          <a:schemeClr val="bg1"/>
+        </a:solidFill>
+        <a:effectLst/>
+      </p:bgPr>
+    </p:bg>
+    <p:spTree>
+      <p:nvGrpSpPr>
+        <p:cNvPr id="1" name=""/>
+        <p:cNvGrpSpPr/>
+        <p:nvPr/>
+      </p:nvGrpSpPr>
+      <p:grpSpPr>
+        <a:xfrm>
+          <a:off x="0" y="0"/>
+          <a:ext cx="0" cy="0"/>
+          <a:chOff x="0" y="0"/>
+          <a:chExt cx="0" cy="0"/>
+        </a:xfrm>
+      </p:grpSpPr>
+      <p:sp>
+        <p:nvSpPr>
+          <p:cNvPr id="21" name="Rectangle 20">
+            <a:extLst>
+              <a:ext uri="{FF2B5EF4-FFF2-40B4-BE49-F238E27FC236}">
+                <a16:creationId xmlns:a16="http://schemas.microsoft.com/office/drawing/2014/main" id="{6166C6D1-23AC-49C4-BA07-238E4E9F8CEB}"/>
+              </a:ext>
+              <a:ext uri="{C183D7F6-B498-43B3-948B-1728B52AA6E4}">
+                <adec:decorative xmlns:adec="http://schemas.microsoft.com/office/drawing/2017/decorative" val="1"/>
+              </a:ext>
+            </a:extLst>
+          </p:cNvPr>
+          <p:cNvSpPr>
+            <a:spLocks noGrp="1" noRot="1" noChangeAspect="1" noMove="1" noResize="1" noEditPoints="1" noAdjustHandles="1" noChangeArrowheads="1" noChangeShapeType="1" noTextEdit="1"/>
+          </p:cNvSpPr>
+          <p:nvPr>
+            <p:extLst>
+              <p:ext uri="{386F3935-93C4-4BCD-93E2-E3B085C9AB24}">
+                <p16:designElem xmlns:p16="http://schemas.microsoft.com/office/powerpoint/2015/main" val="1"/>
+              </p:ext>
+            </p:extLst>
+          </p:nvPr>
+        </p:nvSpPr>
+        <p:spPr>
+          <a:xfrm>
+            <a:off x="462059" y="450221"/>
+            <a:ext cx="3362146" cy="3911523"/>
+          </a:xfrm>
+          <a:prstGeom prst="rect">
+            <a:avLst/>
+          </a:prstGeom>
+          <a:solidFill>
+            <a:srgbClr val="595959"/>
+          </a:solidFill>
+          <a:ln w="25400">
+            <a:noFill/>
+          </a:ln>
+        </p:spPr>
+        <p:style>
+          <a:lnRef idx="2">
+            <a:schemeClr val="accent1">
+              <a:shade val="50000"/>
+            </a:schemeClr>
+          </a:lnRef>
+          <a:fillRef idx="1">
+            <a:schemeClr val="accent1"/>
+          </a:fillRef>
+          <a:effectRef idx="0">
+            <a:schemeClr val="accent1"/>
+          </a:effectRef>
+          <a:fontRef idx="minor">
+            <a:schemeClr val="lt1"/>
+          </a:fontRef>
+        </p:style>
+        <p:txBody>
+          <a:bodyPr rtlCol="0" anchor="ctr"/>
+          <a:lstStyle/>
+          <a:p>
+            <a:pPr algn="ctr"/>
+            <a:endParaRPr lang="en-US">
+              <a:solidFill>
+                <a:srgbClr val="FFFFFF"/>
+              </a:solidFill>
+            </a:endParaRPr>
+          </a:p>
+        </p:txBody>
+      </p:sp>
+      <p:sp>
+        <p:nvSpPr>
+          <p:cNvPr id="2" name="Título 1">
+            <a:extLst>
+              <a:ext uri="{FF2B5EF4-FFF2-40B4-BE49-F238E27FC236}">
+                <a16:creationId xmlns:a16="http://schemas.microsoft.com/office/drawing/2014/main" id="{341F726D-3521-4144-BEF9-BE19F82CEC38}"/>
+              </a:ext>
+            </a:extLst>
+          </p:cNvPr>
+          <p:cNvSpPr>
+            <a:spLocks noGrp="1"/>
+          </p:cNvSpPr>
+          <p:nvPr>
+            <p:ph type="title"/>
+          </p:nvPr>
+        </p:nvSpPr>
+        <p:spPr>
+          <a:xfrm>
+            <a:off x="774701" y="762000"/>
+            <a:ext cx="2771672" cy="3230578"/>
+          </a:xfrm>
+        </p:spPr>
+        <p:txBody>
+          <a:bodyPr vert="horz" lIns="91440" tIns="45720" rIns="91440" bIns="45720" rtlCol="0">
+            <a:normAutofit/>
+          </a:bodyPr>
+          <a:lstStyle/>
+          <a:p>
+            <a:pPr algn="ctr"/>
+            <a:r>
+              <a:rPr lang="en-US" sz="3800" b="1" dirty="0">
+                <a:solidFill>
+                  <a:srgbClr val="FFFFFF"/>
+                </a:solidFill>
+              </a:rPr>
+              <a:t>A </a:t>
+            </a:r>
+            <a:r>
+              <a:rPr lang="en-US" sz="3800" b="1" dirty="0" err="1">
+                <a:solidFill>
+                  <a:srgbClr val="FFFFFF"/>
+                </a:solidFill>
+              </a:rPr>
+              <a:t>aplicação</a:t>
+            </a:r>
+            <a:r>
+              <a:rPr lang="en-US" sz="3800" b="1" dirty="0">
+                <a:solidFill>
+                  <a:srgbClr val="FFFFFF"/>
+                </a:solidFill>
+              </a:rPr>
+              <a:t> no </a:t>
+            </a:r>
+            <a:r>
+              <a:rPr lang="en-US" sz="3800" b="1" dirty="0" err="1">
+                <a:solidFill>
+                  <a:srgbClr val="FFFFFF"/>
+                </a:solidFill>
+              </a:rPr>
+              <a:t>futuro</a:t>
+            </a:r>
+            <a:endParaRPr lang="en-US" sz="3800" b="1" dirty="0">
+              <a:solidFill>
+                <a:srgbClr val="FFFFFF"/>
+              </a:solidFill>
+            </a:endParaRPr>
+          </a:p>
+        </p:txBody>
+      </p:sp>
+      <p:pic>
+        <p:nvPicPr>
+          <p:cNvPr id="5" name="Marcador de Posição de Conteúdo 4" descr="Uma imagem com frigorífico&#10;&#10;Descrição gerada automaticamente">
+            <a:extLst>
+              <a:ext uri="{FF2B5EF4-FFF2-40B4-BE49-F238E27FC236}">
+                <a16:creationId xmlns:a16="http://schemas.microsoft.com/office/drawing/2014/main" id="{10C6E6AB-73F7-6B42-9E6B-65081297295D}"/>
+              </a:ext>
+            </a:extLst>
+          </p:cNvPr>
+          <p:cNvPicPr>
+            <a:picLocks noChangeAspect="1"/>
+          </p:cNvPicPr>
+          <p:nvPr/>
+        </p:nvPicPr>
+        <p:blipFill rotWithShape="1">
+          <a:blip r:embed="rId2"/>
+          <a:srcRect l="4187" r="-3" b="-3"/>
+          <a:stretch/>
+        </p:blipFill>
+        <p:spPr>
+          <a:xfrm>
+            <a:off x="3859016" y="265069"/>
+            <a:ext cx="4329426" cy="6137565"/>
+          </a:xfrm>
+          <a:prstGeom prst="rect">
+            <a:avLst/>
+          </a:prstGeom>
+        </p:spPr>
+      </p:pic>
+      <p:sp>
+        <p:nvSpPr>
+          <p:cNvPr id="23" name="Rectangle 22">
+            <a:extLst>
+              <a:ext uri="{FF2B5EF4-FFF2-40B4-BE49-F238E27FC236}">
+                <a16:creationId xmlns:a16="http://schemas.microsoft.com/office/drawing/2014/main" id="{1C091803-41C2-48E0-9228-5148460C7479}"/>
+              </a:ext>
+              <a:ext uri="{C183D7F6-B498-43B3-948B-1728B52AA6E4}">
+                <adec:decorative xmlns:adec="http://schemas.microsoft.com/office/drawing/2017/decorative" val="1"/>
+              </a:ext>
+            </a:extLst>
+          </p:cNvPr>
+          <p:cNvSpPr>
+            <a:spLocks noGrp="1" noRot="1" noChangeAspect="1" noMove="1" noResize="1" noEditPoints="1" noAdjustHandles="1" noChangeArrowheads="1" noChangeShapeType="1" noTextEdit="1"/>
+          </p:cNvSpPr>
+          <p:nvPr>
+            <p:extLst>
+              <p:ext uri="{386F3935-93C4-4BCD-93E2-E3B085C9AB24}">
+                <p16:designElem xmlns:p16="http://schemas.microsoft.com/office/powerpoint/2015/main" val="1"/>
+              </p:ext>
+            </p:extLst>
+          </p:nvPr>
+        </p:nvSpPr>
+        <p:spPr>
+          <a:xfrm>
+            <a:off x="8188443" y="445459"/>
+            <a:ext cx="3522149" cy="5957175"/>
+          </a:xfrm>
+          <a:prstGeom prst="rect">
+            <a:avLst/>
+          </a:prstGeom>
+          <a:solidFill>
+            <a:schemeClr val="tx1">
+              <a:lumMod val="50000"/>
+              <a:lumOff val="50000"/>
+              <a:alpha val="20000"/>
+            </a:schemeClr>
+          </a:solidFill>
+          <a:ln>
+            <a:noFill/>
+          </a:ln>
+        </p:spPr>
+        <p:style>
+          <a:lnRef idx="2">
+            <a:schemeClr val="accent1">
+              <a:shade val="50000"/>
+            </a:schemeClr>
+          </a:lnRef>
+          <a:fillRef idx="1">
+            <a:schemeClr val="accent1"/>
+          </a:fillRef>
+          <a:effectRef idx="0">
+            <a:schemeClr val="accent1"/>
+          </a:effectRef>
+          <a:fontRef idx="minor">
+            <a:schemeClr val="lt1"/>
+          </a:fontRef>
+        </p:style>
+        <p:txBody>
+          <a:bodyPr rtlCol="0" anchor="ctr"/>
+          <a:lstStyle/>
+          <a:p>
+            <a:pPr algn="ctr"/>
+            <a:endParaRPr lang="en-US"/>
+          </a:p>
+        </p:txBody>
+      </p:sp>
+      <p:pic>
+        <p:nvPicPr>
+          <p:cNvPr id="7" name="Marcador de Posição de Conteúdo 6" descr="Uma imagem com sentado, branco, homem&#10;&#10;Descrição gerada automaticamente">
+            <a:extLst>
+              <a:ext uri="{FF2B5EF4-FFF2-40B4-BE49-F238E27FC236}">
+                <a16:creationId xmlns:a16="http://schemas.microsoft.com/office/drawing/2014/main" id="{A6BD7B95-4B08-D94A-945A-B57375ED9B32}"/>
+              </a:ext>
+            </a:extLst>
+          </p:cNvPr>
+          <p:cNvPicPr>
+            <a:picLocks noGrp="1" noChangeAspect="1"/>
+          </p:cNvPicPr>
+          <p:nvPr>
+            <p:ph idx="1"/>
+          </p:nvPr>
+        </p:nvPicPr>
+        <p:blipFill>
+          <a:blip r:embed="rId3"/>
+          <a:stretch>
+            <a:fillRect/>
+          </a:stretch>
+        </p:blipFill>
+        <p:spPr>
+          <a:xfrm>
+            <a:off x="8188441" y="455366"/>
+            <a:ext cx="3541500" cy="5947267"/>
+          </a:xfrm>
+        </p:spPr>
+      </p:pic>
+      <p:sp>
+        <p:nvSpPr>
+          <p:cNvPr id="25" name="Rectangle 24">
+            <a:extLst>
+              <a:ext uri="{FF2B5EF4-FFF2-40B4-BE49-F238E27FC236}">
+                <a16:creationId xmlns:a16="http://schemas.microsoft.com/office/drawing/2014/main" id="{05CC4153-3F0D-4F4C-8F12-E8FC3FA40AEE}"/>
+              </a:ext>
+              <a:ext uri="{C183D7F6-B498-43B3-948B-1728B52AA6E4}">
+                <adec:decorative xmlns:adec="http://schemas.microsoft.com/office/drawing/2017/decorative" val="1"/>
+              </a:ext>
+            </a:extLst>
+          </p:cNvPr>
+          <p:cNvSpPr>
+            <a:spLocks noGrp="1" noRot="1" noChangeAspect="1" noMove="1" noResize="1" noEditPoints="1" noAdjustHandles="1" noChangeArrowheads="1" noChangeShapeType="1" noTextEdit="1"/>
+          </p:cNvSpPr>
+          <p:nvPr>
+            <p:extLst>
+              <p:ext uri="{386F3935-93C4-4BCD-93E2-E3B085C9AB24}">
+                <p16:designElem xmlns:p16="http://schemas.microsoft.com/office/powerpoint/2015/main" val="1"/>
+              </p:ext>
+            </p:extLst>
+          </p:nvPr>
+        </p:nvSpPr>
+        <p:spPr>
+          <a:xfrm>
+            <a:off x="462058" y="4517136"/>
+            <a:ext cx="3362146" cy="1890452"/>
+          </a:xfrm>
+          <a:prstGeom prst="rect">
+            <a:avLst/>
+          </a:prstGeom>
+          <a:solidFill>
+            <a:srgbClr val="325B5D"/>
+          </a:solidFill>
+          <a:ln w="25400">
+            <a:noFill/>
+          </a:ln>
+        </p:spPr>
+        <p:style>
+          <a:lnRef idx="2">
+            <a:schemeClr val="accent1">
+              <a:shade val="50000"/>
+            </a:schemeClr>
+          </a:lnRef>
+          <a:fillRef idx="1">
+            <a:schemeClr val="accent1"/>
+          </a:fillRef>
+          <a:effectRef idx="0">
+            <a:schemeClr val="accent1"/>
+          </a:effectRef>
+          <a:fontRef idx="minor">
+            <a:schemeClr val="lt1"/>
+          </a:fontRef>
+        </p:style>
+        <p:txBody>
+          <a:bodyPr rtlCol="0" anchor="ctr"/>
+          <a:lstStyle/>
+          <a:p>
+            <a:pPr algn="ctr"/>
+            <a:endParaRPr lang="en-US">
+              <a:solidFill>
+                <a:srgbClr val="FFFFFF"/>
+              </a:solidFill>
+            </a:endParaRPr>
+          </a:p>
+        </p:txBody>
+      </p:sp>
+      <p:sp>
+        <p:nvSpPr>
+          <p:cNvPr id="22" name="CaixaDeTexto 21">
+            <a:extLst>
+              <a:ext uri="{FF2B5EF4-FFF2-40B4-BE49-F238E27FC236}">
+                <a16:creationId xmlns:a16="http://schemas.microsoft.com/office/drawing/2014/main" id="{A6DD7B74-E461-1743-99BB-E0F6D08BF8C7}"/>
+              </a:ext>
+            </a:extLst>
+          </p:cNvPr>
+          <p:cNvSpPr txBox="1"/>
+          <p:nvPr/>
+        </p:nvSpPr>
+        <p:spPr>
+          <a:xfrm>
+            <a:off x="11729941" y="6402633"/>
+            <a:ext cx="321971" cy="369332"/>
+          </a:xfrm>
+          <a:prstGeom prst="rect">
+            <a:avLst/>
+          </a:prstGeom>
+          <a:noFill/>
+        </p:spPr>
+        <p:txBody>
+          <a:bodyPr wrap="square" rtlCol="0">
+            <a:spAutoFit/>
+          </a:bodyPr>
+          <a:lstStyle/>
+          <a:p>
+            <a:r>
+              <a:rPr lang="pt-PT" dirty="0"/>
+              <a:t>8</a:t>
+            </a:r>
+          </a:p>
+        </p:txBody>
+      </p:sp>
+    </p:spTree>
+    <p:extLst>
+      <p:ext uri="{BB962C8B-B14F-4D97-AF65-F5344CB8AC3E}">
+        <p14:creationId xmlns:p14="http://schemas.microsoft.com/office/powerpoint/2010/main" val="1536576157"/>
       </p:ext>
     </p:extLst>
   </p:cSld>
